--- a/Presentation.pptx
+++ b/Presentation.pptx
@@ -5,7 +5,7 @@
     <p:sldMasterId id="2147483680" r:id="rId1"/>
   </p:sldMasterIdLst>
   <p:notesMasterIdLst>
-    <p:notesMasterId r:id="rId35"/>
+    <p:notesMasterId r:id="rId38"/>
   </p:notesMasterIdLst>
   <p:sldIdLst>
     <p:sldId id="256" r:id="rId2"/>
@@ -34,42 +34,45 @@
     <p:sldId id="309" r:id="rId25"/>
     <p:sldId id="323" r:id="rId26"/>
     <p:sldId id="322" r:id="rId27"/>
-    <p:sldId id="278" r:id="rId28"/>
-    <p:sldId id="324" r:id="rId29"/>
-    <p:sldId id="325" r:id="rId30"/>
-    <p:sldId id="326" r:id="rId31"/>
-    <p:sldId id="327" r:id="rId32"/>
-    <p:sldId id="310" r:id="rId33"/>
-    <p:sldId id="261" r:id="rId34"/>
+    <p:sldId id="329" r:id="rId28"/>
+    <p:sldId id="278" r:id="rId29"/>
+    <p:sldId id="324" r:id="rId30"/>
+    <p:sldId id="325" r:id="rId31"/>
+    <p:sldId id="326" r:id="rId32"/>
+    <p:sldId id="327" r:id="rId33"/>
+    <p:sldId id="310" r:id="rId34"/>
+    <p:sldId id="261" r:id="rId35"/>
+    <p:sldId id="328" r:id="rId36"/>
+    <p:sldId id="330" r:id="rId37"/>
   </p:sldIdLst>
   <p:sldSz cx="9144000" cy="5143500" type="screen16x9"/>
   <p:notesSz cx="6858000" cy="9144000"/>
   <p:embeddedFontLst>
     <p:embeddedFont>
       <p:font typeface="Catamaran" panose="020B0604020202020204" charset="0"/>
-      <p:regular r:id="rId36"/>
-      <p:bold r:id="rId37"/>
-    </p:embeddedFont>
-    <p:embeddedFont>
-      <p:font typeface="Darker Grotesque Black" panose="020B0604020202020204" charset="0"/>
-      <p:bold r:id="rId38"/>
-    </p:embeddedFont>
-    <p:embeddedFont>
-      <p:font typeface="Darker Grotesque Medium" panose="020B0604020202020204" charset="0"/>
       <p:regular r:id="rId39"/>
       <p:bold r:id="rId40"/>
     </p:embeddedFont>
     <p:embeddedFont>
+      <p:font typeface="Darker Grotesque Black" panose="020B0604020202020204" charset="0"/>
+      <p:bold r:id="rId41"/>
+    </p:embeddedFont>
+    <p:embeddedFont>
+      <p:font typeface="Darker Grotesque Medium" panose="020B0604020202020204" charset="0"/>
+      <p:regular r:id="rId42"/>
+      <p:bold r:id="rId43"/>
+    </p:embeddedFont>
+    <p:embeddedFont>
       <p:font typeface="Poppins" panose="020B0604020202020204" charset="0"/>
-      <p:regular r:id="rId41"/>
-      <p:bold r:id="rId42"/>
-      <p:italic r:id="rId43"/>
-      <p:boldItalic r:id="rId44"/>
+      <p:regular r:id="rId44"/>
+      <p:bold r:id="rId45"/>
+      <p:italic r:id="rId46"/>
+      <p:boldItalic r:id="rId47"/>
     </p:embeddedFont>
     <p:embeddedFont>
       <p:font typeface="Poppins Black" panose="020B0604020202020204" charset="0"/>
-      <p:bold r:id="rId45"/>
-      <p:boldItalic r:id="rId46"/>
+      <p:bold r:id="rId48"/>
+      <p:boldItalic r:id="rId49"/>
     </p:embeddedFont>
   </p:embeddedFontLst>
   <p:defaultTextStyle>
@@ -2791,7 +2794,7 @@
   <p:cSld>
     <p:spTree>
       <p:nvGrpSpPr>
-        <p:cNvPr id="1" name="Shape 1137"/>
+        <p:cNvPr id="1" name="Shape 1065"/>
         <p:cNvGrpSpPr/>
         <p:nvPr/>
       </p:nvGrpSpPr>
@@ -2805,7 +2808,7 @@
       </p:grpSpPr>
       <p:sp>
         <p:nvSpPr>
-          <p:cNvPr id="1138" name="Google Shape;1138;gc603810509_0_143:notes"/>
+          <p:cNvPr id="1066" name="Google Shape;1066;g79d57be5d8_2_442:notes"/>
           <p:cNvSpPr>
             <a:spLocks noGrp="1" noRot="1" noChangeAspect="1"/>
           </p:cNvSpPr>
@@ -2846,7 +2849,7 @@
       </p:sp>
       <p:sp>
         <p:nvSpPr>
-          <p:cNvPr id="1139" name="Google Shape;1139;gc603810509_0_143:notes"/>
+          <p:cNvPr id="1067" name="Google Shape;1067;g79d57be5d8_2_442:notes"/>
           <p:cNvSpPr txBox="1">
             <a:spLocks noGrp="1"/>
           </p:cNvSpPr>
@@ -2883,6 +2886,11 @@
         </p:txBody>
       </p:sp>
     </p:spTree>
+    <p:extLst>
+      <p:ext uri="{BB962C8B-B14F-4D97-AF65-F5344CB8AC3E}">
+        <p14:creationId xmlns:p14="http://schemas.microsoft.com/office/powerpoint/2010/main" val="603155945"/>
+      </p:ext>
+    </p:extLst>
   </p:cSld>
   <p:clrMapOvr>
     <a:masterClrMapping/>
@@ -3415,6 +3423,110 @@
   <p:cSld>
     <p:spTree>
       <p:nvGrpSpPr>
+        <p:cNvPr id="1" name="Shape 1137"/>
+        <p:cNvGrpSpPr/>
+        <p:nvPr/>
+      </p:nvGrpSpPr>
+      <p:grpSpPr>
+        <a:xfrm>
+          <a:off x="0" y="0"/>
+          <a:ext cx="0" cy="0"/>
+          <a:chOff x="0" y="0"/>
+          <a:chExt cx="0" cy="0"/>
+        </a:xfrm>
+      </p:grpSpPr>
+      <p:sp>
+        <p:nvSpPr>
+          <p:cNvPr id="1138" name="Google Shape;1138;gc603810509_0_143:notes"/>
+          <p:cNvSpPr>
+            <a:spLocks noGrp="1" noRot="1" noChangeAspect="1"/>
+          </p:cNvSpPr>
+          <p:nvPr>
+            <p:ph type="sldImg" idx="2"/>
+          </p:nvPr>
+        </p:nvSpPr>
+        <p:spPr>
+          <a:xfrm>
+            <a:off x="381000" y="685800"/>
+            <a:ext cx="6096000" cy="3429000"/>
+          </a:xfrm>
+          <a:custGeom>
+            <a:avLst/>
+            <a:gdLst/>
+            <a:ahLst/>
+            <a:cxnLst/>
+            <a:rect l="l" t="t" r="r" b="b"/>
+            <a:pathLst>
+              <a:path w="120000" h="120000" extrusionOk="0">
+                <a:moveTo>
+                  <a:pt x="0" y="0"/>
+                </a:moveTo>
+                <a:lnTo>
+                  <a:pt x="120000" y="0"/>
+                </a:lnTo>
+                <a:lnTo>
+                  <a:pt x="120000" y="120000"/>
+                </a:lnTo>
+                <a:lnTo>
+                  <a:pt x="0" y="120000"/>
+                </a:lnTo>
+                <a:close/>
+              </a:path>
+            </a:pathLst>
+          </a:custGeom>
+        </p:spPr>
+      </p:sp>
+      <p:sp>
+        <p:nvSpPr>
+          <p:cNvPr id="1139" name="Google Shape;1139;gc603810509_0_143:notes"/>
+          <p:cNvSpPr txBox="1">
+            <a:spLocks noGrp="1"/>
+          </p:cNvSpPr>
+          <p:nvPr>
+            <p:ph type="body" idx="1"/>
+          </p:nvPr>
+        </p:nvSpPr>
+        <p:spPr>
+          <a:xfrm>
+            <a:off x="685800" y="4343400"/>
+            <a:ext cx="5486400" cy="4114800"/>
+          </a:xfrm>
+          <a:prstGeom prst="rect">
+            <a:avLst/>
+          </a:prstGeom>
+        </p:spPr>
+        <p:txBody>
+          <a:bodyPr spcFirstLastPara="1" wrap="square" lIns="91425" tIns="91425" rIns="91425" bIns="91425" anchor="t" anchorCtr="0">
+            <a:noAutofit/>
+          </a:bodyPr>
+          <a:lstStyle/>
+          <a:p>
+            <a:pPr marL="0" lvl="0" indent="0" algn="l" rtl="0">
+              <a:spcBef>
+                <a:spcPts val="0"/>
+              </a:spcBef>
+              <a:spcAft>
+                <a:spcPts val="0"/>
+              </a:spcAft>
+              <a:buNone/>
+            </a:pPr>
+            <a:endParaRPr/>
+          </a:p>
+        </p:txBody>
+      </p:sp>
+    </p:spTree>
+  </p:cSld>
+  <p:clrMapOvr>
+    <a:masterClrMapping/>
+  </p:clrMapOvr>
+</p:notes>
+</file>
+
+<file path=ppt/notesSlides/notesSlide33.xml><?xml version="1.0" encoding="utf-8"?>
+<p:notes xmlns:a="http://schemas.openxmlformats.org/drawingml/2006/main" xmlns:r="http://schemas.openxmlformats.org/officeDocument/2006/relationships" xmlns:p="http://schemas.openxmlformats.org/presentationml/2006/main" showMasterSp="0" showMasterPhAnim="0">
+  <p:cSld>
+    <p:spTree>
+      <p:nvGrpSpPr>
         <p:cNvPr id="1" name="Shape 919"/>
         <p:cNvGrpSpPr/>
         <p:nvPr/>
@@ -3514,7 +3626,7 @@
 </p:notes>
 </file>
 
-<file path=ppt/notesSlides/notesSlide33.xml><?xml version="1.0" encoding="utf-8"?>
+<file path=ppt/notesSlides/notesSlide34.xml><?xml version="1.0" encoding="utf-8"?>
 <p:notes xmlns:a="http://schemas.openxmlformats.org/drawingml/2006/main" xmlns:r="http://schemas.openxmlformats.org/officeDocument/2006/relationships" xmlns:p="http://schemas.openxmlformats.org/presentationml/2006/main" showMasterSp="0" showMasterPhAnim="0">
   <p:cSld>
     <p:spTree>
@@ -3575,6 +3687,214 @@
       <p:sp>
         <p:nvSpPr>
           <p:cNvPr id="767" name="Google Shape;767;gab14034664_0_632:notes"/>
+          <p:cNvSpPr txBox="1">
+            <a:spLocks noGrp="1"/>
+          </p:cNvSpPr>
+          <p:nvPr>
+            <p:ph type="body" idx="1"/>
+          </p:nvPr>
+        </p:nvSpPr>
+        <p:spPr>
+          <a:xfrm>
+            <a:off x="685800" y="4343400"/>
+            <a:ext cx="5486400" cy="4114800"/>
+          </a:xfrm>
+          <a:prstGeom prst="rect">
+            <a:avLst/>
+          </a:prstGeom>
+        </p:spPr>
+        <p:txBody>
+          <a:bodyPr spcFirstLastPara="1" wrap="square" lIns="91425" tIns="91425" rIns="91425" bIns="91425" anchor="t" anchorCtr="0">
+            <a:noAutofit/>
+          </a:bodyPr>
+          <a:lstStyle/>
+          <a:p>
+            <a:pPr marL="0" lvl="0" indent="0" algn="l" rtl="0">
+              <a:spcBef>
+                <a:spcPts val="0"/>
+              </a:spcBef>
+              <a:spcAft>
+                <a:spcPts val="0"/>
+              </a:spcAft>
+              <a:buNone/>
+            </a:pPr>
+            <a:endParaRPr/>
+          </a:p>
+        </p:txBody>
+      </p:sp>
+    </p:spTree>
+  </p:cSld>
+  <p:clrMapOvr>
+    <a:masterClrMapping/>
+  </p:clrMapOvr>
+</p:notes>
+</file>
+
+<file path=ppt/notesSlides/notesSlide35.xml><?xml version="1.0" encoding="utf-8"?>
+<p:notes xmlns:a="http://schemas.openxmlformats.org/drawingml/2006/main" xmlns:r="http://schemas.openxmlformats.org/officeDocument/2006/relationships" xmlns:p="http://schemas.openxmlformats.org/presentationml/2006/main" showMasterSp="0" showMasterPhAnim="0">
+  <p:cSld>
+    <p:spTree>
+      <p:nvGrpSpPr>
+        <p:cNvPr id="1" name="Shape 919"/>
+        <p:cNvGrpSpPr/>
+        <p:nvPr/>
+      </p:nvGrpSpPr>
+      <p:grpSpPr>
+        <a:xfrm>
+          <a:off x="0" y="0"/>
+          <a:ext cx="0" cy="0"/>
+          <a:chOff x="0" y="0"/>
+          <a:chExt cx="0" cy="0"/>
+        </a:xfrm>
+      </p:grpSpPr>
+      <p:sp>
+        <p:nvSpPr>
+          <p:cNvPr id="920" name="Google Shape;920;gc603810509_0_658:notes"/>
+          <p:cNvSpPr>
+            <a:spLocks noGrp="1" noRot="1" noChangeAspect="1"/>
+          </p:cNvSpPr>
+          <p:nvPr>
+            <p:ph type="sldImg" idx="2"/>
+          </p:nvPr>
+        </p:nvSpPr>
+        <p:spPr>
+          <a:xfrm>
+            <a:off x="381000" y="685800"/>
+            <a:ext cx="6096000" cy="3429000"/>
+          </a:xfrm>
+          <a:custGeom>
+            <a:avLst/>
+            <a:gdLst/>
+            <a:ahLst/>
+            <a:cxnLst/>
+            <a:rect l="l" t="t" r="r" b="b"/>
+            <a:pathLst>
+              <a:path w="120000" h="120000" extrusionOk="0">
+                <a:moveTo>
+                  <a:pt x="0" y="0"/>
+                </a:moveTo>
+                <a:lnTo>
+                  <a:pt x="120000" y="0"/>
+                </a:lnTo>
+                <a:lnTo>
+                  <a:pt x="120000" y="120000"/>
+                </a:lnTo>
+                <a:lnTo>
+                  <a:pt x="0" y="120000"/>
+                </a:lnTo>
+                <a:close/>
+              </a:path>
+            </a:pathLst>
+          </a:custGeom>
+        </p:spPr>
+      </p:sp>
+      <p:sp>
+        <p:nvSpPr>
+          <p:cNvPr id="921" name="Google Shape;921;gc603810509_0_658:notes"/>
+          <p:cNvSpPr txBox="1">
+            <a:spLocks noGrp="1"/>
+          </p:cNvSpPr>
+          <p:nvPr>
+            <p:ph type="body" idx="1"/>
+          </p:nvPr>
+        </p:nvSpPr>
+        <p:spPr>
+          <a:xfrm>
+            <a:off x="685800" y="4343400"/>
+            <a:ext cx="5486400" cy="4114800"/>
+          </a:xfrm>
+          <a:prstGeom prst="rect">
+            <a:avLst/>
+          </a:prstGeom>
+        </p:spPr>
+        <p:txBody>
+          <a:bodyPr spcFirstLastPara="1" wrap="square" lIns="91425" tIns="91425" rIns="91425" bIns="91425" anchor="t" anchorCtr="0">
+            <a:noAutofit/>
+          </a:bodyPr>
+          <a:lstStyle/>
+          <a:p>
+            <a:pPr marL="0" lvl="0" indent="0" algn="l" rtl="0">
+              <a:spcBef>
+                <a:spcPts val="0"/>
+              </a:spcBef>
+              <a:spcAft>
+                <a:spcPts val="0"/>
+              </a:spcAft>
+              <a:buNone/>
+            </a:pPr>
+            <a:endParaRPr/>
+          </a:p>
+        </p:txBody>
+      </p:sp>
+    </p:spTree>
+  </p:cSld>
+  <p:clrMapOvr>
+    <a:masterClrMapping/>
+  </p:clrMapOvr>
+</p:notes>
+</file>
+
+<file path=ppt/notesSlides/notesSlide36.xml><?xml version="1.0" encoding="utf-8"?>
+<p:notes xmlns:a="http://schemas.openxmlformats.org/drawingml/2006/main" xmlns:r="http://schemas.openxmlformats.org/officeDocument/2006/relationships" xmlns:p="http://schemas.openxmlformats.org/presentationml/2006/main" showMasterSp="0" showMasterPhAnim="0">
+  <p:cSld>
+    <p:spTree>
+      <p:nvGrpSpPr>
+        <p:cNvPr id="1" name="Shape 919"/>
+        <p:cNvGrpSpPr/>
+        <p:nvPr/>
+      </p:nvGrpSpPr>
+      <p:grpSpPr>
+        <a:xfrm>
+          <a:off x="0" y="0"/>
+          <a:ext cx="0" cy="0"/>
+          <a:chOff x="0" y="0"/>
+          <a:chExt cx="0" cy="0"/>
+        </a:xfrm>
+      </p:grpSpPr>
+      <p:sp>
+        <p:nvSpPr>
+          <p:cNvPr id="920" name="Google Shape;920;gc603810509_0_658:notes"/>
+          <p:cNvSpPr>
+            <a:spLocks noGrp="1" noRot="1" noChangeAspect="1"/>
+          </p:cNvSpPr>
+          <p:nvPr>
+            <p:ph type="sldImg" idx="2"/>
+          </p:nvPr>
+        </p:nvSpPr>
+        <p:spPr>
+          <a:xfrm>
+            <a:off x="381000" y="685800"/>
+            <a:ext cx="6096000" cy="3429000"/>
+          </a:xfrm>
+          <a:custGeom>
+            <a:avLst/>
+            <a:gdLst/>
+            <a:ahLst/>
+            <a:cxnLst/>
+            <a:rect l="l" t="t" r="r" b="b"/>
+            <a:pathLst>
+              <a:path w="120000" h="120000" extrusionOk="0">
+                <a:moveTo>
+                  <a:pt x="0" y="0"/>
+                </a:moveTo>
+                <a:lnTo>
+                  <a:pt x="120000" y="0"/>
+                </a:lnTo>
+                <a:lnTo>
+                  <a:pt x="120000" y="120000"/>
+                </a:lnTo>
+                <a:lnTo>
+                  <a:pt x="0" y="120000"/>
+                </a:lnTo>
+                <a:close/>
+              </a:path>
+            </a:pathLst>
+          </a:custGeom>
+        </p:spPr>
+      </p:sp>
+      <p:sp>
+        <p:nvSpPr>
+          <p:cNvPr id="921" name="Google Shape;921;gc603810509_0_658:notes"/>
           <p:cNvSpPr txBox="1">
             <a:spLocks noGrp="1"/>
           </p:cNvSpPr>
@@ -35279,6 +35599,169 @@
   <p:cSld>
     <p:spTree>
       <p:nvGrpSpPr>
+        <p:cNvPr id="1" name="Shape 1068"/>
+        <p:cNvGrpSpPr/>
+        <p:nvPr/>
+      </p:nvGrpSpPr>
+      <p:grpSpPr>
+        <a:xfrm>
+          <a:off x="0" y="0"/>
+          <a:ext cx="0" cy="0"/>
+          <a:chOff x="0" y="0"/>
+          <a:chExt cx="0" cy="0"/>
+        </a:xfrm>
+      </p:grpSpPr>
+      <p:sp>
+        <p:nvSpPr>
+          <p:cNvPr id="1069" name="Google Shape;1069;p52"/>
+          <p:cNvSpPr txBox="1">
+            <a:spLocks noGrp="1"/>
+          </p:cNvSpPr>
+          <p:nvPr>
+            <p:ph type="subTitle" idx="4294967295"/>
+          </p:nvPr>
+        </p:nvSpPr>
+        <p:spPr>
+          <a:xfrm>
+            <a:off x="715625" y="4019545"/>
+            <a:ext cx="7715400" cy="993805"/>
+          </a:xfrm>
+          <a:prstGeom prst="rect">
+            <a:avLst/>
+          </a:prstGeom>
+        </p:spPr>
+        <p:txBody>
+          <a:bodyPr spcFirstLastPara="1" wrap="square" lIns="91425" tIns="91425" rIns="91425" bIns="91425" anchor="ctr" anchorCtr="0">
+            <a:noAutofit/>
+          </a:bodyPr>
+          <a:lstStyle/>
+          <a:p>
+            <a:pPr marL="0" lvl="0" indent="0" algn="ctr" rtl="0">
+              <a:lnSpc>
+                <a:spcPct val="100000"/>
+              </a:lnSpc>
+              <a:spcBef>
+                <a:spcPts val="0"/>
+              </a:spcBef>
+              <a:spcAft>
+                <a:spcPts val="0"/>
+              </a:spcAft>
+              <a:buNone/>
+            </a:pPr>
+            <a:r>
+              <a:rPr lang="en" sz="2000" dirty="0"/>
+              <a:t>Mainly external </a:t>
+            </a:r>
+            <a:r>
+              <a:rPr lang="en" sz="2000" b="1" dirty="0"/>
+              <a:t>income sources, education, </a:t>
+            </a:r>
+            <a:r>
+              <a:rPr lang="en" sz="2000" dirty="0"/>
+              <a:t>and </a:t>
+            </a:r>
+            <a:r>
+              <a:rPr lang="en" sz="2000" b="1" dirty="0"/>
+              <a:t>type of loans </a:t>
+            </a:r>
+            <a:r>
+              <a:rPr lang="en" sz="2000" dirty="0"/>
+              <a:t>determine the decision.</a:t>
+            </a:r>
+            <a:endParaRPr sz="2000" b="1" dirty="0"/>
+          </a:p>
+        </p:txBody>
+      </p:sp>
+      <p:sp>
+        <p:nvSpPr>
+          <p:cNvPr id="1071" name="Google Shape;1071;p52"/>
+          <p:cNvSpPr txBox="1">
+            <a:spLocks noGrp="1"/>
+          </p:cNvSpPr>
+          <p:nvPr>
+            <p:ph type="title"/>
+          </p:nvPr>
+        </p:nvSpPr>
+        <p:spPr>
+          <a:xfrm>
+            <a:off x="713225" y="445025"/>
+            <a:ext cx="7717800" cy="572700"/>
+          </a:xfrm>
+          <a:prstGeom prst="rect">
+            <a:avLst/>
+          </a:prstGeom>
+        </p:spPr>
+        <p:txBody>
+          <a:bodyPr spcFirstLastPara="1" wrap="square" lIns="91425" tIns="91425" rIns="91425" bIns="91425" anchor="ctr" anchorCtr="0">
+            <a:noAutofit/>
+          </a:bodyPr>
+          <a:lstStyle/>
+          <a:p>
+            <a:pPr marL="0" lvl="0" indent="0" algn="ctr" rtl="0">
+              <a:spcBef>
+                <a:spcPts val="0"/>
+              </a:spcBef>
+              <a:spcAft>
+                <a:spcPts val="0"/>
+              </a:spcAft>
+              <a:buNone/>
+            </a:pPr>
+            <a:r>
+              <a:rPr lang="en" dirty="0"/>
+              <a:t>Features importance</a:t>
+            </a:r>
+            <a:endParaRPr dirty="0"/>
+          </a:p>
+        </p:txBody>
+      </p:sp>
+      <p:pic>
+        <p:nvPicPr>
+          <p:cNvPr id="4" name="Picture 3">
+            <a:extLst>
+              <a:ext uri="{FF2B5EF4-FFF2-40B4-BE49-F238E27FC236}">
+                <a16:creationId xmlns:a16="http://schemas.microsoft.com/office/drawing/2014/main" id="{8C668D43-EE31-468D-9B07-DC5559D5EAF7}"/>
+              </a:ext>
+            </a:extLst>
+          </p:cNvPr>
+          <p:cNvPicPr>
+            <a:picLocks noChangeAspect="1"/>
+          </p:cNvPicPr>
+          <p:nvPr/>
+        </p:nvPicPr>
+        <p:blipFill>
+          <a:blip r:embed="rId3"/>
+          <a:stretch>
+            <a:fillRect/>
+          </a:stretch>
+        </p:blipFill>
+        <p:spPr>
+          <a:xfrm>
+            <a:off x="574589" y="1123955"/>
+            <a:ext cx="7500551" cy="3154225"/>
+          </a:xfrm>
+          <a:prstGeom prst="rect">
+            <a:avLst/>
+          </a:prstGeom>
+        </p:spPr>
+      </p:pic>
+    </p:spTree>
+    <p:extLst>
+      <p:ext uri="{BB962C8B-B14F-4D97-AF65-F5344CB8AC3E}">
+        <p14:creationId xmlns:p14="http://schemas.microsoft.com/office/powerpoint/2010/main" val="2451907776"/>
+      </p:ext>
+    </p:extLst>
+  </p:cSld>
+  <p:clrMapOvr>
+    <a:masterClrMapping/>
+  </p:clrMapOvr>
+</p:sld>
+</file>
+
+<file path=ppt/slides/slide28.xml><?xml version="1.0" encoding="utf-8"?>
+<p:sld xmlns:a="http://schemas.openxmlformats.org/drawingml/2006/main" xmlns:r="http://schemas.openxmlformats.org/officeDocument/2006/relationships" xmlns:p="http://schemas.openxmlformats.org/presentationml/2006/main">
+  <p:cSld>
+    <p:spTree>
+      <p:nvGrpSpPr>
         <p:cNvPr id="1" name="Shape 1140"/>
         <p:cNvGrpSpPr/>
         <p:nvPr/>
@@ -35341,7 +35824,7 @@
 </p:sld>
 </file>
 
-<file path=ppt/slides/slide28.xml><?xml version="1.0" encoding="utf-8"?>
+<file path=ppt/slides/slide29.xml><?xml version="1.0" encoding="utf-8"?>
 <p:sld xmlns:a="http://schemas.openxmlformats.org/drawingml/2006/main" xmlns:r="http://schemas.openxmlformats.org/officeDocument/2006/relationships" xmlns:p="http://schemas.openxmlformats.org/presentationml/2006/main">
   <p:cSld>
     <p:spTree>
@@ -35565,7 +36048,942 @@
 </p:sld>
 </file>
 
-<file path=ppt/slides/slide29.xml><?xml version="1.0" encoding="utf-8"?>
+<file path=ppt/slides/slide3.xml><?xml version="1.0" encoding="utf-8"?>
+<p:sld xmlns:a="http://schemas.openxmlformats.org/drawingml/2006/main" xmlns:r="http://schemas.openxmlformats.org/officeDocument/2006/relationships" xmlns:p="http://schemas.openxmlformats.org/presentationml/2006/main">
+  <p:cSld>
+    <p:spTree>
+      <p:nvGrpSpPr>
+        <p:cNvPr id="1" name="Shape 746"/>
+        <p:cNvGrpSpPr/>
+        <p:nvPr/>
+      </p:nvGrpSpPr>
+      <p:grpSpPr>
+        <a:xfrm>
+          <a:off x="0" y="0"/>
+          <a:ext cx="0" cy="0"/>
+          <a:chOff x="0" y="0"/>
+          <a:chExt cx="0" cy="0"/>
+        </a:xfrm>
+      </p:grpSpPr>
+      <p:sp>
+        <p:nvSpPr>
+          <p:cNvPr id="747" name="Google Shape;747;p40"/>
+          <p:cNvSpPr/>
+          <p:nvPr/>
+        </p:nvSpPr>
+        <p:spPr>
+          <a:xfrm>
+            <a:off x="2521967" y="1468201"/>
+            <a:ext cx="962100" cy="962100"/>
+          </a:xfrm>
+          <a:prstGeom prst="ellipse">
+            <a:avLst/>
+          </a:prstGeom>
+          <a:solidFill>
+            <a:schemeClr val="lt1"/>
+          </a:solidFill>
+          <a:ln>
+            <a:noFill/>
+          </a:ln>
+        </p:spPr>
+        <p:txBody>
+          <a:bodyPr spcFirstLastPara="1" wrap="square" lIns="91425" tIns="91425" rIns="91425" bIns="91425" anchor="ctr" anchorCtr="0">
+            <a:noAutofit/>
+          </a:bodyPr>
+          <a:lstStyle/>
+          <a:p>
+            <a:pPr marL="0" lvl="0" indent="0" algn="l" rtl="0">
+              <a:spcBef>
+                <a:spcPts val="0"/>
+              </a:spcBef>
+              <a:spcAft>
+                <a:spcPts val="0"/>
+              </a:spcAft>
+              <a:buNone/>
+            </a:pPr>
+            <a:endParaRPr/>
+          </a:p>
+        </p:txBody>
+      </p:sp>
+      <p:sp>
+        <p:nvSpPr>
+          <p:cNvPr id="749" name="Google Shape;749;p40"/>
+          <p:cNvSpPr txBox="1">
+            <a:spLocks noGrp="1"/>
+          </p:cNvSpPr>
+          <p:nvPr>
+            <p:ph type="subTitle" idx="3"/>
+          </p:nvPr>
+        </p:nvSpPr>
+        <p:spPr>
+          <a:xfrm>
+            <a:off x="2193167" y="2665500"/>
+            <a:ext cx="1619700" cy="356700"/>
+          </a:xfrm>
+          <a:prstGeom prst="rect">
+            <a:avLst/>
+          </a:prstGeom>
+        </p:spPr>
+        <p:txBody>
+          <a:bodyPr spcFirstLastPara="1" wrap="square" lIns="91425" tIns="91425" rIns="91425" bIns="91425" anchor="ctr" anchorCtr="0">
+            <a:noAutofit/>
+          </a:bodyPr>
+          <a:lstStyle/>
+          <a:p>
+            <a:pPr marL="0" lvl="0" indent="0" algn="ctr" rtl="0">
+              <a:spcBef>
+                <a:spcPts val="0"/>
+              </a:spcBef>
+              <a:spcAft>
+                <a:spcPts val="0"/>
+              </a:spcAft>
+              <a:buNone/>
+            </a:pPr>
+            <a:r>
+              <a:rPr lang="en" dirty="0"/>
+              <a:t>The Bank</a:t>
+            </a:r>
+            <a:endParaRPr dirty="0"/>
+          </a:p>
+        </p:txBody>
+      </p:sp>
+      <p:sp>
+        <p:nvSpPr>
+          <p:cNvPr id="751" name="Google Shape;751;p40"/>
+          <p:cNvSpPr txBox="1">
+            <a:spLocks noGrp="1"/>
+          </p:cNvSpPr>
+          <p:nvPr>
+            <p:ph type="subTitle" idx="1"/>
+          </p:nvPr>
+        </p:nvSpPr>
+        <p:spPr>
+          <a:xfrm>
+            <a:off x="1719167" y="3055066"/>
+            <a:ext cx="2567700" cy="1024800"/>
+          </a:xfrm>
+          <a:prstGeom prst="rect">
+            <a:avLst/>
+          </a:prstGeom>
+        </p:spPr>
+        <p:txBody>
+          <a:bodyPr spcFirstLastPara="1" wrap="square" lIns="91425" tIns="91425" rIns="91425" bIns="91425" anchor="ctr" anchorCtr="0">
+            <a:noAutofit/>
+          </a:bodyPr>
+          <a:lstStyle/>
+          <a:p>
+            <a:pPr marL="0" lvl="0" indent="0" algn="ctr" rtl="0">
+              <a:spcBef>
+                <a:spcPts val="0"/>
+              </a:spcBef>
+              <a:spcAft>
+                <a:spcPts val="0"/>
+              </a:spcAft>
+              <a:buNone/>
+            </a:pPr>
+            <a:r>
+              <a:rPr lang="en" dirty="0"/>
+              <a:t>Determine if potential clients are capable of repayment to prevent losing money on bad credit clients.</a:t>
+            </a:r>
+            <a:endParaRPr dirty="0"/>
+          </a:p>
+        </p:txBody>
+      </p:sp>
+      <p:sp>
+        <p:nvSpPr>
+          <p:cNvPr id="753" name="Google Shape;753;p40"/>
+          <p:cNvSpPr txBox="1">
+            <a:spLocks noGrp="1"/>
+          </p:cNvSpPr>
+          <p:nvPr>
+            <p:ph type="title"/>
+          </p:nvPr>
+        </p:nvSpPr>
+        <p:spPr>
+          <a:xfrm>
+            <a:off x="713225" y="445025"/>
+            <a:ext cx="7717800" cy="572700"/>
+          </a:xfrm>
+          <a:prstGeom prst="rect">
+            <a:avLst/>
+          </a:prstGeom>
+        </p:spPr>
+        <p:txBody>
+          <a:bodyPr spcFirstLastPara="1" wrap="square" lIns="91425" tIns="91425" rIns="91425" bIns="91425" anchor="ctr" anchorCtr="0">
+            <a:noAutofit/>
+          </a:bodyPr>
+          <a:lstStyle/>
+          <a:p>
+            <a:pPr marL="0" lvl="0" indent="0" algn="ctr" rtl="0">
+              <a:spcBef>
+                <a:spcPts val="0"/>
+              </a:spcBef>
+              <a:spcAft>
+                <a:spcPts val="0"/>
+              </a:spcAft>
+              <a:buNone/>
+            </a:pPr>
+            <a:r>
+              <a:rPr lang="en" dirty="0"/>
+              <a:t>Motivation</a:t>
+            </a:r>
+            <a:endParaRPr dirty="0"/>
+          </a:p>
+        </p:txBody>
+      </p:sp>
+      <p:grpSp>
+        <p:nvGrpSpPr>
+          <p:cNvPr id="754" name="Google Shape;754;p40"/>
+          <p:cNvGrpSpPr/>
+          <p:nvPr/>
+        </p:nvGrpSpPr>
+        <p:grpSpPr>
+          <a:xfrm>
+            <a:off x="2741511" y="1716779"/>
+            <a:ext cx="523011" cy="522877"/>
+            <a:chOff x="-60255350" y="3733825"/>
+            <a:chExt cx="316650" cy="316550"/>
+          </a:xfrm>
+        </p:grpSpPr>
+        <p:sp>
+          <p:nvSpPr>
+            <p:cNvPr id="755" name="Google Shape;755;p40"/>
+            <p:cNvSpPr/>
+            <p:nvPr/>
+          </p:nvSpPr>
+          <p:spPr>
+            <a:xfrm>
+              <a:off x="-60218325" y="3733825"/>
+              <a:ext cx="235525" cy="316550"/>
+            </a:xfrm>
+            <a:custGeom>
+              <a:avLst/>
+              <a:gdLst/>
+              <a:ahLst/>
+              <a:cxnLst/>
+              <a:rect l="l" t="t" r="r" b="b"/>
+              <a:pathLst>
+                <a:path w="9421" h="12662" extrusionOk="0">
+                  <a:moveTo>
+                    <a:pt x="4821" y="1666"/>
+                  </a:moveTo>
+                  <a:cubicBezTo>
+                    <a:pt x="5073" y="1666"/>
+                    <a:pt x="5262" y="1886"/>
+                    <a:pt x="5262" y="2075"/>
+                  </a:cubicBezTo>
+                  <a:lnTo>
+                    <a:pt x="5262" y="2359"/>
+                  </a:lnTo>
+                  <a:cubicBezTo>
+                    <a:pt x="5734" y="2485"/>
+                    <a:pt x="6081" y="2989"/>
+                    <a:pt x="6081" y="3525"/>
+                  </a:cubicBezTo>
+                  <a:cubicBezTo>
+                    <a:pt x="6081" y="3777"/>
+                    <a:pt x="5892" y="3934"/>
+                    <a:pt x="5640" y="3934"/>
+                  </a:cubicBezTo>
+                  <a:cubicBezTo>
+                    <a:pt x="5419" y="3934"/>
+                    <a:pt x="5262" y="3714"/>
+                    <a:pt x="5262" y="3525"/>
+                  </a:cubicBezTo>
+                  <a:cubicBezTo>
+                    <a:pt x="5262" y="3273"/>
+                    <a:pt x="5073" y="3084"/>
+                    <a:pt x="4821" y="3084"/>
+                  </a:cubicBezTo>
+                  <a:cubicBezTo>
+                    <a:pt x="4569" y="3084"/>
+                    <a:pt x="4411" y="3273"/>
+                    <a:pt x="4411" y="3525"/>
+                  </a:cubicBezTo>
+                  <a:cubicBezTo>
+                    <a:pt x="4411" y="3777"/>
+                    <a:pt x="4789" y="3997"/>
+                    <a:pt x="5104" y="4249"/>
+                  </a:cubicBezTo>
+                  <a:cubicBezTo>
+                    <a:pt x="5514" y="4564"/>
+                    <a:pt x="6081" y="4942"/>
+                    <a:pt x="6081" y="5604"/>
+                  </a:cubicBezTo>
+                  <a:cubicBezTo>
+                    <a:pt x="6081" y="6171"/>
+                    <a:pt x="5734" y="6612"/>
+                    <a:pt x="5262" y="6801"/>
+                  </a:cubicBezTo>
+                  <a:lnTo>
+                    <a:pt x="5262" y="7085"/>
+                  </a:lnTo>
+                  <a:cubicBezTo>
+                    <a:pt x="5262" y="7305"/>
+                    <a:pt x="5041" y="7463"/>
+                    <a:pt x="4821" y="7463"/>
+                  </a:cubicBezTo>
+                  <a:cubicBezTo>
+                    <a:pt x="4569" y="7463"/>
+                    <a:pt x="4411" y="7274"/>
+                    <a:pt x="4411" y="7085"/>
+                  </a:cubicBezTo>
+                  <a:lnTo>
+                    <a:pt x="4411" y="6801"/>
+                  </a:lnTo>
+                  <a:cubicBezTo>
+                    <a:pt x="3938" y="6644"/>
+                    <a:pt x="3592" y="6171"/>
+                    <a:pt x="3592" y="5604"/>
+                  </a:cubicBezTo>
+                  <a:cubicBezTo>
+                    <a:pt x="3592" y="5383"/>
+                    <a:pt x="3781" y="5194"/>
+                    <a:pt x="4033" y="5194"/>
+                  </a:cubicBezTo>
+                  <a:cubicBezTo>
+                    <a:pt x="4253" y="5194"/>
+                    <a:pt x="4411" y="5383"/>
+                    <a:pt x="4411" y="5604"/>
+                  </a:cubicBezTo>
+                  <a:cubicBezTo>
+                    <a:pt x="4411" y="5856"/>
+                    <a:pt x="4632" y="6014"/>
+                    <a:pt x="4821" y="6014"/>
+                  </a:cubicBezTo>
+                  <a:cubicBezTo>
+                    <a:pt x="5041" y="6014"/>
+                    <a:pt x="5262" y="5824"/>
+                    <a:pt x="5262" y="5604"/>
+                  </a:cubicBezTo>
+                  <a:cubicBezTo>
+                    <a:pt x="5262" y="5383"/>
+                    <a:pt x="4947" y="5131"/>
+                    <a:pt x="4569" y="4911"/>
+                  </a:cubicBezTo>
+                  <a:cubicBezTo>
+                    <a:pt x="4159" y="4596"/>
+                    <a:pt x="3592" y="4186"/>
+                    <a:pt x="3592" y="3525"/>
+                  </a:cubicBezTo>
+                  <a:cubicBezTo>
+                    <a:pt x="3592" y="2989"/>
+                    <a:pt x="3938" y="2548"/>
+                    <a:pt x="4411" y="2359"/>
+                  </a:cubicBezTo>
+                  <a:lnTo>
+                    <a:pt x="4411" y="2075"/>
+                  </a:lnTo>
+                  <a:cubicBezTo>
+                    <a:pt x="4411" y="1823"/>
+                    <a:pt x="4632" y="1666"/>
+                    <a:pt x="4821" y="1666"/>
+                  </a:cubicBezTo>
+                  <a:close/>
+                  <a:moveTo>
+                    <a:pt x="6081" y="9385"/>
+                  </a:moveTo>
+                  <a:lnTo>
+                    <a:pt x="6081" y="10235"/>
+                  </a:lnTo>
+                  <a:lnTo>
+                    <a:pt x="3592" y="10235"/>
+                  </a:lnTo>
+                  <a:lnTo>
+                    <a:pt x="3592" y="9385"/>
+                  </a:lnTo>
+                  <a:close/>
+                  <a:moveTo>
+                    <a:pt x="4801" y="0"/>
+                  </a:moveTo>
+                  <a:cubicBezTo>
+                    <a:pt x="4498" y="0"/>
+                    <a:pt x="4188" y="29"/>
+                    <a:pt x="3875" y="91"/>
+                  </a:cubicBezTo>
+                  <a:cubicBezTo>
+                    <a:pt x="2111" y="500"/>
+                    <a:pt x="693" y="1949"/>
+                    <a:pt x="378" y="3714"/>
+                  </a:cubicBezTo>
+                  <a:cubicBezTo>
+                    <a:pt x="0" y="5698"/>
+                    <a:pt x="1008" y="7652"/>
+                    <a:pt x="2773" y="8565"/>
+                  </a:cubicBezTo>
+                  <a:lnTo>
+                    <a:pt x="2773" y="10582"/>
+                  </a:lnTo>
+                  <a:cubicBezTo>
+                    <a:pt x="2773" y="11716"/>
+                    <a:pt x="3718" y="12661"/>
+                    <a:pt x="4852" y="12661"/>
+                  </a:cubicBezTo>
+                  <a:cubicBezTo>
+                    <a:pt x="5986" y="12661"/>
+                    <a:pt x="6963" y="11716"/>
+                    <a:pt x="6963" y="10582"/>
+                  </a:cubicBezTo>
+                  <a:lnTo>
+                    <a:pt x="6963" y="8565"/>
+                  </a:lnTo>
+                  <a:cubicBezTo>
+                    <a:pt x="8444" y="7778"/>
+                    <a:pt x="9420" y="6234"/>
+                    <a:pt x="9420" y="4501"/>
+                  </a:cubicBezTo>
+                  <a:cubicBezTo>
+                    <a:pt x="9392" y="2000"/>
+                    <a:pt x="7308" y="0"/>
+                    <a:pt x="4801" y="0"/>
+                  </a:cubicBezTo>
+                  <a:close/>
+                </a:path>
+              </a:pathLst>
+            </a:custGeom>
+            <a:solidFill>
+              <a:schemeClr val="accent1"/>
+            </a:solidFill>
+            <a:ln>
+              <a:noFill/>
+            </a:ln>
+          </p:spPr>
+          <p:txBody>
+            <a:bodyPr spcFirstLastPara="1" wrap="square" lIns="91425" tIns="91425" rIns="91425" bIns="91425" anchor="ctr" anchorCtr="0">
+              <a:noAutofit/>
+            </a:bodyPr>
+            <a:lstStyle/>
+            <a:p>
+              <a:pPr marL="0" lvl="0" indent="0" algn="l" rtl="0">
+                <a:spcBef>
+                  <a:spcPts val="0"/>
+                </a:spcBef>
+                <a:spcAft>
+                  <a:spcPts val="0"/>
+                </a:spcAft>
+                <a:buNone/>
+              </a:pPr>
+              <a:endParaRPr/>
+            </a:p>
+          </p:txBody>
+        </p:sp>
+        <p:sp>
+          <p:nvSpPr>
+            <p:cNvPr id="756" name="Google Shape;756;p40"/>
+            <p:cNvSpPr/>
+            <p:nvPr/>
+          </p:nvSpPr>
+          <p:spPr>
+            <a:xfrm>
+              <a:off x="-60255350" y="3844775"/>
+              <a:ext cx="34675" cy="20500"/>
+            </a:xfrm>
+            <a:custGeom>
+              <a:avLst/>
+              <a:gdLst/>
+              <a:ahLst/>
+              <a:cxnLst/>
+              <a:rect l="l" t="t" r="r" b="b"/>
+              <a:pathLst>
+                <a:path w="1387" h="820" extrusionOk="0">
+                  <a:moveTo>
+                    <a:pt x="379" y="0"/>
+                  </a:moveTo>
+                  <a:cubicBezTo>
+                    <a:pt x="158" y="0"/>
+                    <a:pt x="1" y="189"/>
+                    <a:pt x="1" y="378"/>
+                  </a:cubicBezTo>
+                  <a:cubicBezTo>
+                    <a:pt x="1" y="630"/>
+                    <a:pt x="190" y="819"/>
+                    <a:pt x="379" y="819"/>
+                  </a:cubicBezTo>
+                  <a:lnTo>
+                    <a:pt x="946" y="819"/>
+                  </a:lnTo>
+                  <a:cubicBezTo>
+                    <a:pt x="1166" y="819"/>
+                    <a:pt x="1387" y="630"/>
+                    <a:pt x="1387" y="378"/>
+                  </a:cubicBezTo>
+                  <a:cubicBezTo>
+                    <a:pt x="1387" y="158"/>
+                    <a:pt x="1166" y="0"/>
+                    <a:pt x="946" y="0"/>
+                  </a:cubicBezTo>
+                  <a:close/>
+                </a:path>
+              </a:pathLst>
+            </a:custGeom>
+            <a:solidFill>
+              <a:schemeClr val="accent1"/>
+            </a:solidFill>
+            <a:ln>
+              <a:noFill/>
+            </a:ln>
+          </p:spPr>
+          <p:txBody>
+            <a:bodyPr spcFirstLastPara="1" wrap="square" lIns="91425" tIns="91425" rIns="91425" bIns="91425" anchor="ctr" anchorCtr="0">
+              <a:noAutofit/>
+            </a:bodyPr>
+            <a:lstStyle/>
+            <a:p>
+              <a:pPr marL="0" lvl="0" indent="0" algn="l" rtl="0">
+                <a:spcBef>
+                  <a:spcPts val="0"/>
+                </a:spcBef>
+                <a:spcAft>
+                  <a:spcPts val="0"/>
+                </a:spcAft>
+                <a:buNone/>
+              </a:pPr>
+              <a:endParaRPr/>
+            </a:p>
+          </p:txBody>
+        </p:sp>
+        <p:sp>
+          <p:nvSpPr>
+            <p:cNvPr id="757" name="Google Shape;757;p40"/>
+            <p:cNvSpPr/>
+            <p:nvPr/>
+          </p:nvSpPr>
+          <p:spPr>
+            <a:xfrm>
+              <a:off x="-59974175" y="3844775"/>
+              <a:ext cx="35475" cy="20500"/>
+            </a:xfrm>
+            <a:custGeom>
+              <a:avLst/>
+              <a:gdLst/>
+              <a:ahLst/>
+              <a:cxnLst/>
+              <a:rect l="l" t="t" r="r" b="b"/>
+              <a:pathLst>
+                <a:path w="1419" h="820" extrusionOk="0">
+                  <a:moveTo>
+                    <a:pt x="442" y="0"/>
+                  </a:moveTo>
+                  <a:cubicBezTo>
+                    <a:pt x="221" y="0"/>
+                    <a:pt x="1" y="189"/>
+                    <a:pt x="1" y="378"/>
+                  </a:cubicBezTo>
+                  <a:cubicBezTo>
+                    <a:pt x="1" y="630"/>
+                    <a:pt x="221" y="819"/>
+                    <a:pt x="442" y="819"/>
+                  </a:cubicBezTo>
+                  <a:lnTo>
+                    <a:pt x="1009" y="819"/>
+                  </a:lnTo>
+                  <a:cubicBezTo>
+                    <a:pt x="1230" y="819"/>
+                    <a:pt x="1387" y="630"/>
+                    <a:pt x="1387" y="378"/>
+                  </a:cubicBezTo>
+                  <a:cubicBezTo>
+                    <a:pt x="1419" y="158"/>
+                    <a:pt x="1230" y="0"/>
+                    <a:pt x="1009" y="0"/>
+                  </a:cubicBezTo>
+                  <a:close/>
+                </a:path>
+              </a:pathLst>
+            </a:custGeom>
+            <a:solidFill>
+              <a:schemeClr val="accent1"/>
+            </a:solidFill>
+            <a:ln>
+              <a:noFill/>
+            </a:ln>
+          </p:spPr>
+          <p:txBody>
+            <a:bodyPr spcFirstLastPara="1" wrap="square" lIns="91425" tIns="91425" rIns="91425" bIns="91425" anchor="ctr" anchorCtr="0">
+              <a:noAutofit/>
+            </a:bodyPr>
+            <a:lstStyle/>
+            <a:p>
+              <a:pPr marL="0" lvl="0" indent="0" algn="l" rtl="0">
+                <a:spcBef>
+                  <a:spcPts val="0"/>
+                </a:spcBef>
+                <a:spcAft>
+                  <a:spcPts val="0"/>
+                </a:spcAft>
+                <a:buNone/>
+              </a:pPr>
+              <a:endParaRPr/>
+            </a:p>
+          </p:txBody>
+        </p:sp>
+        <p:sp>
+          <p:nvSpPr>
+            <p:cNvPr id="758" name="Google Shape;758;p40"/>
+            <p:cNvSpPr/>
+            <p:nvPr/>
+          </p:nvSpPr>
+          <p:spPr>
+            <a:xfrm>
+              <a:off x="-60212825" y="3939475"/>
+              <a:ext cx="32325" cy="30350"/>
+            </a:xfrm>
+            <a:custGeom>
+              <a:avLst/>
+              <a:gdLst/>
+              <a:ahLst/>
+              <a:cxnLst/>
+              <a:rect l="l" t="t" r="r" b="b"/>
+              <a:pathLst>
+                <a:path w="1293" h="1214" extrusionOk="0">
+                  <a:moveTo>
+                    <a:pt x="836" y="1"/>
+                  </a:moveTo>
+                  <a:cubicBezTo>
+                    <a:pt x="725" y="1"/>
+                    <a:pt x="615" y="40"/>
+                    <a:pt x="536" y="119"/>
+                  </a:cubicBezTo>
+                  <a:lnTo>
+                    <a:pt x="158" y="497"/>
+                  </a:lnTo>
+                  <a:cubicBezTo>
+                    <a:pt x="1" y="654"/>
+                    <a:pt x="1" y="938"/>
+                    <a:pt x="158" y="1096"/>
+                  </a:cubicBezTo>
+                  <a:cubicBezTo>
+                    <a:pt x="237" y="1174"/>
+                    <a:pt x="340" y="1214"/>
+                    <a:pt x="442" y="1214"/>
+                  </a:cubicBezTo>
+                  <a:cubicBezTo>
+                    <a:pt x="544" y="1214"/>
+                    <a:pt x="647" y="1174"/>
+                    <a:pt x="725" y="1096"/>
+                  </a:cubicBezTo>
+                  <a:lnTo>
+                    <a:pt x="1135" y="686"/>
+                  </a:lnTo>
+                  <a:cubicBezTo>
+                    <a:pt x="1293" y="528"/>
+                    <a:pt x="1293" y="245"/>
+                    <a:pt x="1135" y="119"/>
+                  </a:cubicBezTo>
+                  <a:cubicBezTo>
+                    <a:pt x="1056" y="40"/>
+                    <a:pt x="946" y="1"/>
+                    <a:pt x="836" y="1"/>
+                  </a:cubicBezTo>
+                  <a:close/>
+                </a:path>
+              </a:pathLst>
+            </a:custGeom>
+            <a:solidFill>
+              <a:schemeClr val="accent1"/>
+            </a:solidFill>
+            <a:ln>
+              <a:noFill/>
+            </a:ln>
+          </p:spPr>
+          <p:txBody>
+            <a:bodyPr spcFirstLastPara="1" wrap="square" lIns="91425" tIns="91425" rIns="91425" bIns="91425" anchor="ctr" anchorCtr="0">
+              <a:noAutofit/>
+            </a:bodyPr>
+            <a:lstStyle/>
+            <a:p>
+              <a:pPr marL="0" lvl="0" indent="0" algn="l" rtl="0">
+                <a:spcBef>
+                  <a:spcPts val="0"/>
+                </a:spcBef>
+                <a:spcAft>
+                  <a:spcPts val="0"/>
+                </a:spcAft>
+                <a:buNone/>
+              </a:pPr>
+              <a:endParaRPr/>
+            </a:p>
+          </p:txBody>
+        </p:sp>
+        <p:sp>
+          <p:nvSpPr>
+            <p:cNvPr id="759" name="Google Shape;759;p40"/>
+            <p:cNvSpPr/>
+            <p:nvPr/>
+          </p:nvSpPr>
+          <p:spPr>
+            <a:xfrm>
+              <a:off x="-60012750" y="3739425"/>
+              <a:ext cx="32300" cy="30350"/>
+            </a:xfrm>
+            <a:custGeom>
+              <a:avLst/>
+              <a:gdLst/>
+              <a:ahLst/>
+              <a:cxnLst/>
+              <a:rect l="l" t="t" r="r" b="b"/>
+              <a:pathLst>
+                <a:path w="1292" h="1214" extrusionOk="0">
+                  <a:moveTo>
+                    <a:pt x="835" y="1"/>
+                  </a:moveTo>
+                  <a:cubicBezTo>
+                    <a:pt x="725" y="1"/>
+                    <a:pt x="614" y="40"/>
+                    <a:pt x="536" y="119"/>
+                  </a:cubicBezTo>
+                  <a:lnTo>
+                    <a:pt x="126" y="497"/>
+                  </a:lnTo>
+                  <a:cubicBezTo>
+                    <a:pt x="0" y="654"/>
+                    <a:pt x="0" y="938"/>
+                    <a:pt x="126" y="1095"/>
+                  </a:cubicBezTo>
+                  <a:cubicBezTo>
+                    <a:pt x="205" y="1174"/>
+                    <a:pt x="315" y="1213"/>
+                    <a:pt x="425" y="1213"/>
+                  </a:cubicBezTo>
+                  <a:cubicBezTo>
+                    <a:pt x="536" y="1213"/>
+                    <a:pt x="646" y="1174"/>
+                    <a:pt x="725" y="1095"/>
+                  </a:cubicBezTo>
+                  <a:lnTo>
+                    <a:pt x="1134" y="686"/>
+                  </a:lnTo>
+                  <a:cubicBezTo>
+                    <a:pt x="1292" y="560"/>
+                    <a:pt x="1292" y="276"/>
+                    <a:pt x="1134" y="119"/>
+                  </a:cubicBezTo>
+                  <a:cubicBezTo>
+                    <a:pt x="1056" y="40"/>
+                    <a:pt x="945" y="1"/>
+                    <a:pt x="835" y="1"/>
+                  </a:cubicBezTo>
+                  <a:close/>
+                </a:path>
+              </a:pathLst>
+            </a:custGeom>
+            <a:solidFill>
+              <a:schemeClr val="accent1"/>
+            </a:solidFill>
+            <a:ln>
+              <a:noFill/>
+            </a:ln>
+          </p:spPr>
+          <p:txBody>
+            <a:bodyPr spcFirstLastPara="1" wrap="square" lIns="91425" tIns="91425" rIns="91425" bIns="91425" anchor="ctr" anchorCtr="0">
+              <a:noAutofit/>
+            </a:bodyPr>
+            <a:lstStyle/>
+            <a:p>
+              <a:pPr marL="0" lvl="0" indent="0" algn="l" rtl="0">
+                <a:spcBef>
+                  <a:spcPts val="0"/>
+                </a:spcBef>
+                <a:spcAft>
+                  <a:spcPts val="0"/>
+                </a:spcAft>
+                <a:buNone/>
+              </a:pPr>
+              <a:endParaRPr/>
+            </a:p>
+          </p:txBody>
+        </p:sp>
+        <p:sp>
+          <p:nvSpPr>
+            <p:cNvPr id="760" name="Google Shape;760;p40"/>
+            <p:cNvSpPr/>
+            <p:nvPr/>
+          </p:nvSpPr>
+          <p:spPr>
+            <a:xfrm>
+              <a:off x="-60012750" y="3939475"/>
+              <a:ext cx="32300" cy="30350"/>
+            </a:xfrm>
+            <a:custGeom>
+              <a:avLst/>
+              <a:gdLst/>
+              <a:ahLst/>
+              <a:cxnLst/>
+              <a:rect l="l" t="t" r="r" b="b"/>
+              <a:pathLst>
+                <a:path w="1292" h="1214" extrusionOk="0">
+                  <a:moveTo>
+                    <a:pt x="425" y="1"/>
+                  </a:moveTo>
+                  <a:cubicBezTo>
+                    <a:pt x="315" y="1"/>
+                    <a:pt x="205" y="40"/>
+                    <a:pt x="126" y="119"/>
+                  </a:cubicBezTo>
+                  <a:cubicBezTo>
+                    <a:pt x="0" y="245"/>
+                    <a:pt x="0" y="528"/>
+                    <a:pt x="126" y="686"/>
+                  </a:cubicBezTo>
+                  <a:lnTo>
+                    <a:pt x="536" y="1096"/>
+                  </a:lnTo>
+                  <a:cubicBezTo>
+                    <a:pt x="614" y="1174"/>
+                    <a:pt x="725" y="1214"/>
+                    <a:pt x="835" y="1214"/>
+                  </a:cubicBezTo>
+                  <a:cubicBezTo>
+                    <a:pt x="945" y="1214"/>
+                    <a:pt x="1056" y="1174"/>
+                    <a:pt x="1134" y="1096"/>
+                  </a:cubicBezTo>
+                  <a:cubicBezTo>
+                    <a:pt x="1292" y="938"/>
+                    <a:pt x="1292" y="654"/>
+                    <a:pt x="1134" y="497"/>
+                  </a:cubicBezTo>
+                  <a:lnTo>
+                    <a:pt x="725" y="119"/>
+                  </a:lnTo>
+                  <a:cubicBezTo>
+                    <a:pt x="646" y="40"/>
+                    <a:pt x="536" y="1"/>
+                    <a:pt x="425" y="1"/>
+                  </a:cubicBezTo>
+                  <a:close/>
+                </a:path>
+              </a:pathLst>
+            </a:custGeom>
+            <a:solidFill>
+              <a:schemeClr val="accent1"/>
+            </a:solidFill>
+            <a:ln>
+              <a:noFill/>
+            </a:ln>
+          </p:spPr>
+          <p:txBody>
+            <a:bodyPr spcFirstLastPara="1" wrap="square" lIns="91425" tIns="91425" rIns="91425" bIns="91425" anchor="ctr" anchorCtr="0">
+              <a:noAutofit/>
+            </a:bodyPr>
+            <a:lstStyle/>
+            <a:p>
+              <a:pPr marL="0" lvl="0" indent="0" algn="l" rtl="0">
+                <a:spcBef>
+                  <a:spcPts val="0"/>
+                </a:spcBef>
+                <a:spcAft>
+                  <a:spcPts val="0"/>
+                </a:spcAft>
+                <a:buNone/>
+              </a:pPr>
+              <a:endParaRPr/>
+            </a:p>
+          </p:txBody>
+        </p:sp>
+        <p:sp>
+          <p:nvSpPr>
+            <p:cNvPr id="761" name="Google Shape;761;p40"/>
+            <p:cNvSpPr/>
+            <p:nvPr/>
+          </p:nvSpPr>
+          <p:spPr>
+            <a:xfrm>
+              <a:off x="-60212825" y="3739425"/>
+              <a:ext cx="32325" cy="30350"/>
+            </a:xfrm>
+            <a:custGeom>
+              <a:avLst/>
+              <a:gdLst/>
+              <a:ahLst/>
+              <a:cxnLst/>
+              <a:rect l="l" t="t" r="r" b="b"/>
+              <a:pathLst>
+                <a:path w="1293" h="1214" extrusionOk="0">
+                  <a:moveTo>
+                    <a:pt x="442" y="1"/>
+                  </a:moveTo>
+                  <a:cubicBezTo>
+                    <a:pt x="340" y="1"/>
+                    <a:pt x="237" y="40"/>
+                    <a:pt x="158" y="119"/>
+                  </a:cubicBezTo>
+                  <a:cubicBezTo>
+                    <a:pt x="1" y="276"/>
+                    <a:pt x="1" y="560"/>
+                    <a:pt x="158" y="686"/>
+                  </a:cubicBezTo>
+                  <a:lnTo>
+                    <a:pt x="536" y="1095"/>
+                  </a:lnTo>
+                  <a:cubicBezTo>
+                    <a:pt x="615" y="1174"/>
+                    <a:pt x="725" y="1213"/>
+                    <a:pt x="836" y="1213"/>
+                  </a:cubicBezTo>
+                  <a:cubicBezTo>
+                    <a:pt x="946" y="1213"/>
+                    <a:pt x="1056" y="1174"/>
+                    <a:pt x="1135" y="1095"/>
+                  </a:cubicBezTo>
+                  <a:cubicBezTo>
+                    <a:pt x="1293" y="938"/>
+                    <a:pt x="1293" y="654"/>
+                    <a:pt x="1135" y="497"/>
+                  </a:cubicBezTo>
+                  <a:lnTo>
+                    <a:pt x="725" y="119"/>
+                  </a:lnTo>
+                  <a:cubicBezTo>
+                    <a:pt x="647" y="40"/>
+                    <a:pt x="544" y="1"/>
+                    <a:pt x="442" y="1"/>
+                  </a:cubicBezTo>
+                  <a:close/>
+                </a:path>
+              </a:pathLst>
+            </a:custGeom>
+            <a:solidFill>
+              <a:schemeClr val="accent1"/>
+            </a:solidFill>
+            <a:ln>
+              <a:noFill/>
+            </a:ln>
+          </p:spPr>
+          <p:txBody>
+            <a:bodyPr spcFirstLastPara="1" wrap="square" lIns="91425" tIns="91425" rIns="91425" bIns="91425" anchor="ctr" anchorCtr="0">
+              <a:noAutofit/>
+            </a:bodyPr>
+            <a:lstStyle/>
+            <a:p>
+              <a:pPr marL="0" lvl="0" indent="0" algn="l" rtl="0">
+                <a:spcBef>
+                  <a:spcPts val="0"/>
+                </a:spcBef>
+                <a:spcAft>
+                  <a:spcPts val="0"/>
+                </a:spcAft>
+                <a:buNone/>
+              </a:pPr>
+              <a:endParaRPr/>
+            </a:p>
+          </p:txBody>
+        </p:sp>
+      </p:grpSp>
+    </p:spTree>
+    <p:extLst>
+      <p:ext uri="{BB962C8B-B14F-4D97-AF65-F5344CB8AC3E}">
+        <p14:creationId xmlns:p14="http://schemas.microsoft.com/office/powerpoint/2010/main" val="115591000"/>
+      </p:ext>
+    </p:extLst>
+  </p:cSld>
+  <p:clrMapOvr>
+    <a:masterClrMapping/>
+  </p:clrMapOvr>
+</p:sld>
+</file>
+
+<file path=ppt/slides/slide30.xml><?xml version="1.0" encoding="utf-8"?>
 <p:sld xmlns:a="http://schemas.openxmlformats.org/drawingml/2006/main" xmlns:r="http://schemas.openxmlformats.org/officeDocument/2006/relationships" xmlns:p="http://schemas.openxmlformats.org/presentationml/2006/main">
   <p:cSld>
     <p:spTree>
@@ -36228,942 +37646,7 @@
 </p:sld>
 </file>
 
-<file path=ppt/slides/slide3.xml><?xml version="1.0" encoding="utf-8"?>
-<p:sld xmlns:a="http://schemas.openxmlformats.org/drawingml/2006/main" xmlns:r="http://schemas.openxmlformats.org/officeDocument/2006/relationships" xmlns:p="http://schemas.openxmlformats.org/presentationml/2006/main">
-  <p:cSld>
-    <p:spTree>
-      <p:nvGrpSpPr>
-        <p:cNvPr id="1" name="Shape 746"/>
-        <p:cNvGrpSpPr/>
-        <p:nvPr/>
-      </p:nvGrpSpPr>
-      <p:grpSpPr>
-        <a:xfrm>
-          <a:off x="0" y="0"/>
-          <a:ext cx="0" cy="0"/>
-          <a:chOff x="0" y="0"/>
-          <a:chExt cx="0" cy="0"/>
-        </a:xfrm>
-      </p:grpSpPr>
-      <p:sp>
-        <p:nvSpPr>
-          <p:cNvPr id="747" name="Google Shape;747;p40"/>
-          <p:cNvSpPr/>
-          <p:nvPr/>
-        </p:nvSpPr>
-        <p:spPr>
-          <a:xfrm>
-            <a:off x="2521967" y="1468201"/>
-            <a:ext cx="962100" cy="962100"/>
-          </a:xfrm>
-          <a:prstGeom prst="ellipse">
-            <a:avLst/>
-          </a:prstGeom>
-          <a:solidFill>
-            <a:schemeClr val="lt1"/>
-          </a:solidFill>
-          <a:ln>
-            <a:noFill/>
-          </a:ln>
-        </p:spPr>
-        <p:txBody>
-          <a:bodyPr spcFirstLastPara="1" wrap="square" lIns="91425" tIns="91425" rIns="91425" bIns="91425" anchor="ctr" anchorCtr="0">
-            <a:noAutofit/>
-          </a:bodyPr>
-          <a:lstStyle/>
-          <a:p>
-            <a:pPr marL="0" lvl="0" indent="0" algn="l" rtl="0">
-              <a:spcBef>
-                <a:spcPts val="0"/>
-              </a:spcBef>
-              <a:spcAft>
-                <a:spcPts val="0"/>
-              </a:spcAft>
-              <a:buNone/>
-            </a:pPr>
-            <a:endParaRPr/>
-          </a:p>
-        </p:txBody>
-      </p:sp>
-      <p:sp>
-        <p:nvSpPr>
-          <p:cNvPr id="749" name="Google Shape;749;p40"/>
-          <p:cNvSpPr txBox="1">
-            <a:spLocks noGrp="1"/>
-          </p:cNvSpPr>
-          <p:nvPr>
-            <p:ph type="subTitle" idx="3"/>
-          </p:nvPr>
-        </p:nvSpPr>
-        <p:spPr>
-          <a:xfrm>
-            <a:off x="2193167" y="2665500"/>
-            <a:ext cx="1619700" cy="356700"/>
-          </a:xfrm>
-          <a:prstGeom prst="rect">
-            <a:avLst/>
-          </a:prstGeom>
-        </p:spPr>
-        <p:txBody>
-          <a:bodyPr spcFirstLastPara="1" wrap="square" lIns="91425" tIns="91425" rIns="91425" bIns="91425" anchor="ctr" anchorCtr="0">
-            <a:noAutofit/>
-          </a:bodyPr>
-          <a:lstStyle/>
-          <a:p>
-            <a:pPr marL="0" lvl="0" indent="0" algn="ctr" rtl="0">
-              <a:spcBef>
-                <a:spcPts val="0"/>
-              </a:spcBef>
-              <a:spcAft>
-                <a:spcPts val="0"/>
-              </a:spcAft>
-              <a:buNone/>
-            </a:pPr>
-            <a:r>
-              <a:rPr lang="en" dirty="0"/>
-              <a:t>The Bank</a:t>
-            </a:r>
-            <a:endParaRPr dirty="0"/>
-          </a:p>
-        </p:txBody>
-      </p:sp>
-      <p:sp>
-        <p:nvSpPr>
-          <p:cNvPr id="751" name="Google Shape;751;p40"/>
-          <p:cNvSpPr txBox="1">
-            <a:spLocks noGrp="1"/>
-          </p:cNvSpPr>
-          <p:nvPr>
-            <p:ph type="subTitle" idx="1"/>
-          </p:nvPr>
-        </p:nvSpPr>
-        <p:spPr>
-          <a:xfrm>
-            <a:off x="1719167" y="3055066"/>
-            <a:ext cx="2567700" cy="1024800"/>
-          </a:xfrm>
-          <a:prstGeom prst="rect">
-            <a:avLst/>
-          </a:prstGeom>
-        </p:spPr>
-        <p:txBody>
-          <a:bodyPr spcFirstLastPara="1" wrap="square" lIns="91425" tIns="91425" rIns="91425" bIns="91425" anchor="ctr" anchorCtr="0">
-            <a:noAutofit/>
-          </a:bodyPr>
-          <a:lstStyle/>
-          <a:p>
-            <a:pPr marL="0" lvl="0" indent="0" algn="ctr" rtl="0">
-              <a:spcBef>
-                <a:spcPts val="0"/>
-              </a:spcBef>
-              <a:spcAft>
-                <a:spcPts val="0"/>
-              </a:spcAft>
-              <a:buNone/>
-            </a:pPr>
-            <a:r>
-              <a:rPr lang="en" dirty="0"/>
-              <a:t>Determine if potential clients are capable of repayment to prevent losing money on bad credit clients.</a:t>
-            </a:r>
-            <a:endParaRPr dirty="0"/>
-          </a:p>
-        </p:txBody>
-      </p:sp>
-      <p:sp>
-        <p:nvSpPr>
-          <p:cNvPr id="753" name="Google Shape;753;p40"/>
-          <p:cNvSpPr txBox="1">
-            <a:spLocks noGrp="1"/>
-          </p:cNvSpPr>
-          <p:nvPr>
-            <p:ph type="title"/>
-          </p:nvPr>
-        </p:nvSpPr>
-        <p:spPr>
-          <a:xfrm>
-            <a:off x="713225" y="445025"/>
-            <a:ext cx="7717800" cy="572700"/>
-          </a:xfrm>
-          <a:prstGeom prst="rect">
-            <a:avLst/>
-          </a:prstGeom>
-        </p:spPr>
-        <p:txBody>
-          <a:bodyPr spcFirstLastPara="1" wrap="square" lIns="91425" tIns="91425" rIns="91425" bIns="91425" anchor="ctr" anchorCtr="0">
-            <a:noAutofit/>
-          </a:bodyPr>
-          <a:lstStyle/>
-          <a:p>
-            <a:pPr marL="0" lvl="0" indent="0" algn="ctr" rtl="0">
-              <a:spcBef>
-                <a:spcPts val="0"/>
-              </a:spcBef>
-              <a:spcAft>
-                <a:spcPts val="0"/>
-              </a:spcAft>
-              <a:buNone/>
-            </a:pPr>
-            <a:r>
-              <a:rPr lang="en" dirty="0"/>
-              <a:t>Motivation</a:t>
-            </a:r>
-            <a:endParaRPr dirty="0"/>
-          </a:p>
-        </p:txBody>
-      </p:sp>
-      <p:grpSp>
-        <p:nvGrpSpPr>
-          <p:cNvPr id="754" name="Google Shape;754;p40"/>
-          <p:cNvGrpSpPr/>
-          <p:nvPr/>
-        </p:nvGrpSpPr>
-        <p:grpSpPr>
-          <a:xfrm>
-            <a:off x="2741511" y="1716779"/>
-            <a:ext cx="523011" cy="522877"/>
-            <a:chOff x="-60255350" y="3733825"/>
-            <a:chExt cx="316650" cy="316550"/>
-          </a:xfrm>
-        </p:grpSpPr>
-        <p:sp>
-          <p:nvSpPr>
-            <p:cNvPr id="755" name="Google Shape;755;p40"/>
-            <p:cNvSpPr/>
-            <p:nvPr/>
-          </p:nvSpPr>
-          <p:spPr>
-            <a:xfrm>
-              <a:off x="-60218325" y="3733825"/>
-              <a:ext cx="235525" cy="316550"/>
-            </a:xfrm>
-            <a:custGeom>
-              <a:avLst/>
-              <a:gdLst/>
-              <a:ahLst/>
-              <a:cxnLst/>
-              <a:rect l="l" t="t" r="r" b="b"/>
-              <a:pathLst>
-                <a:path w="9421" h="12662" extrusionOk="0">
-                  <a:moveTo>
-                    <a:pt x="4821" y="1666"/>
-                  </a:moveTo>
-                  <a:cubicBezTo>
-                    <a:pt x="5073" y="1666"/>
-                    <a:pt x="5262" y="1886"/>
-                    <a:pt x="5262" y="2075"/>
-                  </a:cubicBezTo>
-                  <a:lnTo>
-                    <a:pt x="5262" y="2359"/>
-                  </a:lnTo>
-                  <a:cubicBezTo>
-                    <a:pt x="5734" y="2485"/>
-                    <a:pt x="6081" y="2989"/>
-                    <a:pt x="6081" y="3525"/>
-                  </a:cubicBezTo>
-                  <a:cubicBezTo>
-                    <a:pt x="6081" y="3777"/>
-                    <a:pt x="5892" y="3934"/>
-                    <a:pt x="5640" y="3934"/>
-                  </a:cubicBezTo>
-                  <a:cubicBezTo>
-                    <a:pt x="5419" y="3934"/>
-                    <a:pt x="5262" y="3714"/>
-                    <a:pt x="5262" y="3525"/>
-                  </a:cubicBezTo>
-                  <a:cubicBezTo>
-                    <a:pt x="5262" y="3273"/>
-                    <a:pt x="5073" y="3084"/>
-                    <a:pt x="4821" y="3084"/>
-                  </a:cubicBezTo>
-                  <a:cubicBezTo>
-                    <a:pt x="4569" y="3084"/>
-                    <a:pt x="4411" y="3273"/>
-                    <a:pt x="4411" y="3525"/>
-                  </a:cubicBezTo>
-                  <a:cubicBezTo>
-                    <a:pt x="4411" y="3777"/>
-                    <a:pt x="4789" y="3997"/>
-                    <a:pt x="5104" y="4249"/>
-                  </a:cubicBezTo>
-                  <a:cubicBezTo>
-                    <a:pt x="5514" y="4564"/>
-                    <a:pt x="6081" y="4942"/>
-                    <a:pt x="6081" y="5604"/>
-                  </a:cubicBezTo>
-                  <a:cubicBezTo>
-                    <a:pt x="6081" y="6171"/>
-                    <a:pt x="5734" y="6612"/>
-                    <a:pt x="5262" y="6801"/>
-                  </a:cubicBezTo>
-                  <a:lnTo>
-                    <a:pt x="5262" y="7085"/>
-                  </a:lnTo>
-                  <a:cubicBezTo>
-                    <a:pt x="5262" y="7305"/>
-                    <a:pt x="5041" y="7463"/>
-                    <a:pt x="4821" y="7463"/>
-                  </a:cubicBezTo>
-                  <a:cubicBezTo>
-                    <a:pt x="4569" y="7463"/>
-                    <a:pt x="4411" y="7274"/>
-                    <a:pt x="4411" y="7085"/>
-                  </a:cubicBezTo>
-                  <a:lnTo>
-                    <a:pt x="4411" y="6801"/>
-                  </a:lnTo>
-                  <a:cubicBezTo>
-                    <a:pt x="3938" y="6644"/>
-                    <a:pt x="3592" y="6171"/>
-                    <a:pt x="3592" y="5604"/>
-                  </a:cubicBezTo>
-                  <a:cubicBezTo>
-                    <a:pt x="3592" y="5383"/>
-                    <a:pt x="3781" y="5194"/>
-                    <a:pt x="4033" y="5194"/>
-                  </a:cubicBezTo>
-                  <a:cubicBezTo>
-                    <a:pt x="4253" y="5194"/>
-                    <a:pt x="4411" y="5383"/>
-                    <a:pt x="4411" y="5604"/>
-                  </a:cubicBezTo>
-                  <a:cubicBezTo>
-                    <a:pt x="4411" y="5856"/>
-                    <a:pt x="4632" y="6014"/>
-                    <a:pt x="4821" y="6014"/>
-                  </a:cubicBezTo>
-                  <a:cubicBezTo>
-                    <a:pt x="5041" y="6014"/>
-                    <a:pt x="5262" y="5824"/>
-                    <a:pt x="5262" y="5604"/>
-                  </a:cubicBezTo>
-                  <a:cubicBezTo>
-                    <a:pt x="5262" y="5383"/>
-                    <a:pt x="4947" y="5131"/>
-                    <a:pt x="4569" y="4911"/>
-                  </a:cubicBezTo>
-                  <a:cubicBezTo>
-                    <a:pt x="4159" y="4596"/>
-                    <a:pt x="3592" y="4186"/>
-                    <a:pt x="3592" y="3525"/>
-                  </a:cubicBezTo>
-                  <a:cubicBezTo>
-                    <a:pt x="3592" y="2989"/>
-                    <a:pt x="3938" y="2548"/>
-                    <a:pt x="4411" y="2359"/>
-                  </a:cubicBezTo>
-                  <a:lnTo>
-                    <a:pt x="4411" y="2075"/>
-                  </a:lnTo>
-                  <a:cubicBezTo>
-                    <a:pt x="4411" y="1823"/>
-                    <a:pt x="4632" y="1666"/>
-                    <a:pt x="4821" y="1666"/>
-                  </a:cubicBezTo>
-                  <a:close/>
-                  <a:moveTo>
-                    <a:pt x="6081" y="9385"/>
-                  </a:moveTo>
-                  <a:lnTo>
-                    <a:pt x="6081" y="10235"/>
-                  </a:lnTo>
-                  <a:lnTo>
-                    <a:pt x="3592" y="10235"/>
-                  </a:lnTo>
-                  <a:lnTo>
-                    <a:pt x="3592" y="9385"/>
-                  </a:lnTo>
-                  <a:close/>
-                  <a:moveTo>
-                    <a:pt x="4801" y="0"/>
-                  </a:moveTo>
-                  <a:cubicBezTo>
-                    <a:pt x="4498" y="0"/>
-                    <a:pt x="4188" y="29"/>
-                    <a:pt x="3875" y="91"/>
-                  </a:cubicBezTo>
-                  <a:cubicBezTo>
-                    <a:pt x="2111" y="500"/>
-                    <a:pt x="693" y="1949"/>
-                    <a:pt x="378" y="3714"/>
-                  </a:cubicBezTo>
-                  <a:cubicBezTo>
-                    <a:pt x="0" y="5698"/>
-                    <a:pt x="1008" y="7652"/>
-                    <a:pt x="2773" y="8565"/>
-                  </a:cubicBezTo>
-                  <a:lnTo>
-                    <a:pt x="2773" y="10582"/>
-                  </a:lnTo>
-                  <a:cubicBezTo>
-                    <a:pt x="2773" y="11716"/>
-                    <a:pt x="3718" y="12661"/>
-                    <a:pt x="4852" y="12661"/>
-                  </a:cubicBezTo>
-                  <a:cubicBezTo>
-                    <a:pt x="5986" y="12661"/>
-                    <a:pt x="6963" y="11716"/>
-                    <a:pt x="6963" y="10582"/>
-                  </a:cubicBezTo>
-                  <a:lnTo>
-                    <a:pt x="6963" y="8565"/>
-                  </a:lnTo>
-                  <a:cubicBezTo>
-                    <a:pt x="8444" y="7778"/>
-                    <a:pt x="9420" y="6234"/>
-                    <a:pt x="9420" y="4501"/>
-                  </a:cubicBezTo>
-                  <a:cubicBezTo>
-                    <a:pt x="9392" y="2000"/>
-                    <a:pt x="7308" y="0"/>
-                    <a:pt x="4801" y="0"/>
-                  </a:cubicBezTo>
-                  <a:close/>
-                </a:path>
-              </a:pathLst>
-            </a:custGeom>
-            <a:solidFill>
-              <a:schemeClr val="accent1"/>
-            </a:solidFill>
-            <a:ln>
-              <a:noFill/>
-            </a:ln>
-          </p:spPr>
-          <p:txBody>
-            <a:bodyPr spcFirstLastPara="1" wrap="square" lIns="91425" tIns="91425" rIns="91425" bIns="91425" anchor="ctr" anchorCtr="0">
-              <a:noAutofit/>
-            </a:bodyPr>
-            <a:lstStyle/>
-            <a:p>
-              <a:pPr marL="0" lvl="0" indent="0" algn="l" rtl="0">
-                <a:spcBef>
-                  <a:spcPts val="0"/>
-                </a:spcBef>
-                <a:spcAft>
-                  <a:spcPts val="0"/>
-                </a:spcAft>
-                <a:buNone/>
-              </a:pPr>
-              <a:endParaRPr/>
-            </a:p>
-          </p:txBody>
-        </p:sp>
-        <p:sp>
-          <p:nvSpPr>
-            <p:cNvPr id="756" name="Google Shape;756;p40"/>
-            <p:cNvSpPr/>
-            <p:nvPr/>
-          </p:nvSpPr>
-          <p:spPr>
-            <a:xfrm>
-              <a:off x="-60255350" y="3844775"/>
-              <a:ext cx="34675" cy="20500"/>
-            </a:xfrm>
-            <a:custGeom>
-              <a:avLst/>
-              <a:gdLst/>
-              <a:ahLst/>
-              <a:cxnLst/>
-              <a:rect l="l" t="t" r="r" b="b"/>
-              <a:pathLst>
-                <a:path w="1387" h="820" extrusionOk="0">
-                  <a:moveTo>
-                    <a:pt x="379" y="0"/>
-                  </a:moveTo>
-                  <a:cubicBezTo>
-                    <a:pt x="158" y="0"/>
-                    <a:pt x="1" y="189"/>
-                    <a:pt x="1" y="378"/>
-                  </a:cubicBezTo>
-                  <a:cubicBezTo>
-                    <a:pt x="1" y="630"/>
-                    <a:pt x="190" y="819"/>
-                    <a:pt x="379" y="819"/>
-                  </a:cubicBezTo>
-                  <a:lnTo>
-                    <a:pt x="946" y="819"/>
-                  </a:lnTo>
-                  <a:cubicBezTo>
-                    <a:pt x="1166" y="819"/>
-                    <a:pt x="1387" y="630"/>
-                    <a:pt x="1387" y="378"/>
-                  </a:cubicBezTo>
-                  <a:cubicBezTo>
-                    <a:pt x="1387" y="158"/>
-                    <a:pt x="1166" y="0"/>
-                    <a:pt x="946" y="0"/>
-                  </a:cubicBezTo>
-                  <a:close/>
-                </a:path>
-              </a:pathLst>
-            </a:custGeom>
-            <a:solidFill>
-              <a:schemeClr val="accent1"/>
-            </a:solidFill>
-            <a:ln>
-              <a:noFill/>
-            </a:ln>
-          </p:spPr>
-          <p:txBody>
-            <a:bodyPr spcFirstLastPara="1" wrap="square" lIns="91425" tIns="91425" rIns="91425" bIns="91425" anchor="ctr" anchorCtr="0">
-              <a:noAutofit/>
-            </a:bodyPr>
-            <a:lstStyle/>
-            <a:p>
-              <a:pPr marL="0" lvl="0" indent="0" algn="l" rtl="0">
-                <a:spcBef>
-                  <a:spcPts val="0"/>
-                </a:spcBef>
-                <a:spcAft>
-                  <a:spcPts val="0"/>
-                </a:spcAft>
-                <a:buNone/>
-              </a:pPr>
-              <a:endParaRPr/>
-            </a:p>
-          </p:txBody>
-        </p:sp>
-        <p:sp>
-          <p:nvSpPr>
-            <p:cNvPr id="757" name="Google Shape;757;p40"/>
-            <p:cNvSpPr/>
-            <p:nvPr/>
-          </p:nvSpPr>
-          <p:spPr>
-            <a:xfrm>
-              <a:off x="-59974175" y="3844775"/>
-              <a:ext cx="35475" cy="20500"/>
-            </a:xfrm>
-            <a:custGeom>
-              <a:avLst/>
-              <a:gdLst/>
-              <a:ahLst/>
-              <a:cxnLst/>
-              <a:rect l="l" t="t" r="r" b="b"/>
-              <a:pathLst>
-                <a:path w="1419" h="820" extrusionOk="0">
-                  <a:moveTo>
-                    <a:pt x="442" y="0"/>
-                  </a:moveTo>
-                  <a:cubicBezTo>
-                    <a:pt x="221" y="0"/>
-                    <a:pt x="1" y="189"/>
-                    <a:pt x="1" y="378"/>
-                  </a:cubicBezTo>
-                  <a:cubicBezTo>
-                    <a:pt x="1" y="630"/>
-                    <a:pt x="221" y="819"/>
-                    <a:pt x="442" y="819"/>
-                  </a:cubicBezTo>
-                  <a:lnTo>
-                    <a:pt x="1009" y="819"/>
-                  </a:lnTo>
-                  <a:cubicBezTo>
-                    <a:pt x="1230" y="819"/>
-                    <a:pt x="1387" y="630"/>
-                    <a:pt x="1387" y="378"/>
-                  </a:cubicBezTo>
-                  <a:cubicBezTo>
-                    <a:pt x="1419" y="158"/>
-                    <a:pt x="1230" y="0"/>
-                    <a:pt x="1009" y="0"/>
-                  </a:cubicBezTo>
-                  <a:close/>
-                </a:path>
-              </a:pathLst>
-            </a:custGeom>
-            <a:solidFill>
-              <a:schemeClr val="accent1"/>
-            </a:solidFill>
-            <a:ln>
-              <a:noFill/>
-            </a:ln>
-          </p:spPr>
-          <p:txBody>
-            <a:bodyPr spcFirstLastPara="1" wrap="square" lIns="91425" tIns="91425" rIns="91425" bIns="91425" anchor="ctr" anchorCtr="0">
-              <a:noAutofit/>
-            </a:bodyPr>
-            <a:lstStyle/>
-            <a:p>
-              <a:pPr marL="0" lvl="0" indent="0" algn="l" rtl="0">
-                <a:spcBef>
-                  <a:spcPts val="0"/>
-                </a:spcBef>
-                <a:spcAft>
-                  <a:spcPts val="0"/>
-                </a:spcAft>
-                <a:buNone/>
-              </a:pPr>
-              <a:endParaRPr/>
-            </a:p>
-          </p:txBody>
-        </p:sp>
-        <p:sp>
-          <p:nvSpPr>
-            <p:cNvPr id="758" name="Google Shape;758;p40"/>
-            <p:cNvSpPr/>
-            <p:nvPr/>
-          </p:nvSpPr>
-          <p:spPr>
-            <a:xfrm>
-              <a:off x="-60212825" y="3939475"/>
-              <a:ext cx="32325" cy="30350"/>
-            </a:xfrm>
-            <a:custGeom>
-              <a:avLst/>
-              <a:gdLst/>
-              <a:ahLst/>
-              <a:cxnLst/>
-              <a:rect l="l" t="t" r="r" b="b"/>
-              <a:pathLst>
-                <a:path w="1293" h="1214" extrusionOk="0">
-                  <a:moveTo>
-                    <a:pt x="836" y="1"/>
-                  </a:moveTo>
-                  <a:cubicBezTo>
-                    <a:pt x="725" y="1"/>
-                    <a:pt x="615" y="40"/>
-                    <a:pt x="536" y="119"/>
-                  </a:cubicBezTo>
-                  <a:lnTo>
-                    <a:pt x="158" y="497"/>
-                  </a:lnTo>
-                  <a:cubicBezTo>
-                    <a:pt x="1" y="654"/>
-                    <a:pt x="1" y="938"/>
-                    <a:pt x="158" y="1096"/>
-                  </a:cubicBezTo>
-                  <a:cubicBezTo>
-                    <a:pt x="237" y="1174"/>
-                    <a:pt x="340" y="1214"/>
-                    <a:pt x="442" y="1214"/>
-                  </a:cubicBezTo>
-                  <a:cubicBezTo>
-                    <a:pt x="544" y="1214"/>
-                    <a:pt x="647" y="1174"/>
-                    <a:pt x="725" y="1096"/>
-                  </a:cubicBezTo>
-                  <a:lnTo>
-                    <a:pt x="1135" y="686"/>
-                  </a:lnTo>
-                  <a:cubicBezTo>
-                    <a:pt x="1293" y="528"/>
-                    <a:pt x="1293" y="245"/>
-                    <a:pt x="1135" y="119"/>
-                  </a:cubicBezTo>
-                  <a:cubicBezTo>
-                    <a:pt x="1056" y="40"/>
-                    <a:pt x="946" y="1"/>
-                    <a:pt x="836" y="1"/>
-                  </a:cubicBezTo>
-                  <a:close/>
-                </a:path>
-              </a:pathLst>
-            </a:custGeom>
-            <a:solidFill>
-              <a:schemeClr val="accent1"/>
-            </a:solidFill>
-            <a:ln>
-              <a:noFill/>
-            </a:ln>
-          </p:spPr>
-          <p:txBody>
-            <a:bodyPr spcFirstLastPara="1" wrap="square" lIns="91425" tIns="91425" rIns="91425" bIns="91425" anchor="ctr" anchorCtr="0">
-              <a:noAutofit/>
-            </a:bodyPr>
-            <a:lstStyle/>
-            <a:p>
-              <a:pPr marL="0" lvl="0" indent="0" algn="l" rtl="0">
-                <a:spcBef>
-                  <a:spcPts val="0"/>
-                </a:spcBef>
-                <a:spcAft>
-                  <a:spcPts val="0"/>
-                </a:spcAft>
-                <a:buNone/>
-              </a:pPr>
-              <a:endParaRPr/>
-            </a:p>
-          </p:txBody>
-        </p:sp>
-        <p:sp>
-          <p:nvSpPr>
-            <p:cNvPr id="759" name="Google Shape;759;p40"/>
-            <p:cNvSpPr/>
-            <p:nvPr/>
-          </p:nvSpPr>
-          <p:spPr>
-            <a:xfrm>
-              <a:off x="-60012750" y="3739425"/>
-              <a:ext cx="32300" cy="30350"/>
-            </a:xfrm>
-            <a:custGeom>
-              <a:avLst/>
-              <a:gdLst/>
-              <a:ahLst/>
-              <a:cxnLst/>
-              <a:rect l="l" t="t" r="r" b="b"/>
-              <a:pathLst>
-                <a:path w="1292" h="1214" extrusionOk="0">
-                  <a:moveTo>
-                    <a:pt x="835" y="1"/>
-                  </a:moveTo>
-                  <a:cubicBezTo>
-                    <a:pt x="725" y="1"/>
-                    <a:pt x="614" y="40"/>
-                    <a:pt x="536" y="119"/>
-                  </a:cubicBezTo>
-                  <a:lnTo>
-                    <a:pt x="126" y="497"/>
-                  </a:lnTo>
-                  <a:cubicBezTo>
-                    <a:pt x="0" y="654"/>
-                    <a:pt x="0" y="938"/>
-                    <a:pt x="126" y="1095"/>
-                  </a:cubicBezTo>
-                  <a:cubicBezTo>
-                    <a:pt x="205" y="1174"/>
-                    <a:pt x="315" y="1213"/>
-                    <a:pt x="425" y="1213"/>
-                  </a:cubicBezTo>
-                  <a:cubicBezTo>
-                    <a:pt x="536" y="1213"/>
-                    <a:pt x="646" y="1174"/>
-                    <a:pt x="725" y="1095"/>
-                  </a:cubicBezTo>
-                  <a:lnTo>
-                    <a:pt x="1134" y="686"/>
-                  </a:lnTo>
-                  <a:cubicBezTo>
-                    <a:pt x="1292" y="560"/>
-                    <a:pt x="1292" y="276"/>
-                    <a:pt x="1134" y="119"/>
-                  </a:cubicBezTo>
-                  <a:cubicBezTo>
-                    <a:pt x="1056" y="40"/>
-                    <a:pt x="945" y="1"/>
-                    <a:pt x="835" y="1"/>
-                  </a:cubicBezTo>
-                  <a:close/>
-                </a:path>
-              </a:pathLst>
-            </a:custGeom>
-            <a:solidFill>
-              <a:schemeClr val="accent1"/>
-            </a:solidFill>
-            <a:ln>
-              <a:noFill/>
-            </a:ln>
-          </p:spPr>
-          <p:txBody>
-            <a:bodyPr spcFirstLastPara="1" wrap="square" lIns="91425" tIns="91425" rIns="91425" bIns="91425" anchor="ctr" anchorCtr="0">
-              <a:noAutofit/>
-            </a:bodyPr>
-            <a:lstStyle/>
-            <a:p>
-              <a:pPr marL="0" lvl="0" indent="0" algn="l" rtl="0">
-                <a:spcBef>
-                  <a:spcPts val="0"/>
-                </a:spcBef>
-                <a:spcAft>
-                  <a:spcPts val="0"/>
-                </a:spcAft>
-                <a:buNone/>
-              </a:pPr>
-              <a:endParaRPr/>
-            </a:p>
-          </p:txBody>
-        </p:sp>
-        <p:sp>
-          <p:nvSpPr>
-            <p:cNvPr id="760" name="Google Shape;760;p40"/>
-            <p:cNvSpPr/>
-            <p:nvPr/>
-          </p:nvSpPr>
-          <p:spPr>
-            <a:xfrm>
-              <a:off x="-60012750" y="3939475"/>
-              <a:ext cx="32300" cy="30350"/>
-            </a:xfrm>
-            <a:custGeom>
-              <a:avLst/>
-              <a:gdLst/>
-              <a:ahLst/>
-              <a:cxnLst/>
-              <a:rect l="l" t="t" r="r" b="b"/>
-              <a:pathLst>
-                <a:path w="1292" h="1214" extrusionOk="0">
-                  <a:moveTo>
-                    <a:pt x="425" y="1"/>
-                  </a:moveTo>
-                  <a:cubicBezTo>
-                    <a:pt x="315" y="1"/>
-                    <a:pt x="205" y="40"/>
-                    <a:pt x="126" y="119"/>
-                  </a:cubicBezTo>
-                  <a:cubicBezTo>
-                    <a:pt x="0" y="245"/>
-                    <a:pt x="0" y="528"/>
-                    <a:pt x="126" y="686"/>
-                  </a:cubicBezTo>
-                  <a:lnTo>
-                    <a:pt x="536" y="1096"/>
-                  </a:lnTo>
-                  <a:cubicBezTo>
-                    <a:pt x="614" y="1174"/>
-                    <a:pt x="725" y="1214"/>
-                    <a:pt x="835" y="1214"/>
-                  </a:cubicBezTo>
-                  <a:cubicBezTo>
-                    <a:pt x="945" y="1214"/>
-                    <a:pt x="1056" y="1174"/>
-                    <a:pt x="1134" y="1096"/>
-                  </a:cubicBezTo>
-                  <a:cubicBezTo>
-                    <a:pt x="1292" y="938"/>
-                    <a:pt x="1292" y="654"/>
-                    <a:pt x="1134" y="497"/>
-                  </a:cubicBezTo>
-                  <a:lnTo>
-                    <a:pt x="725" y="119"/>
-                  </a:lnTo>
-                  <a:cubicBezTo>
-                    <a:pt x="646" y="40"/>
-                    <a:pt x="536" y="1"/>
-                    <a:pt x="425" y="1"/>
-                  </a:cubicBezTo>
-                  <a:close/>
-                </a:path>
-              </a:pathLst>
-            </a:custGeom>
-            <a:solidFill>
-              <a:schemeClr val="accent1"/>
-            </a:solidFill>
-            <a:ln>
-              <a:noFill/>
-            </a:ln>
-          </p:spPr>
-          <p:txBody>
-            <a:bodyPr spcFirstLastPara="1" wrap="square" lIns="91425" tIns="91425" rIns="91425" bIns="91425" anchor="ctr" anchorCtr="0">
-              <a:noAutofit/>
-            </a:bodyPr>
-            <a:lstStyle/>
-            <a:p>
-              <a:pPr marL="0" lvl="0" indent="0" algn="l" rtl="0">
-                <a:spcBef>
-                  <a:spcPts val="0"/>
-                </a:spcBef>
-                <a:spcAft>
-                  <a:spcPts val="0"/>
-                </a:spcAft>
-                <a:buNone/>
-              </a:pPr>
-              <a:endParaRPr/>
-            </a:p>
-          </p:txBody>
-        </p:sp>
-        <p:sp>
-          <p:nvSpPr>
-            <p:cNvPr id="761" name="Google Shape;761;p40"/>
-            <p:cNvSpPr/>
-            <p:nvPr/>
-          </p:nvSpPr>
-          <p:spPr>
-            <a:xfrm>
-              <a:off x="-60212825" y="3739425"/>
-              <a:ext cx="32325" cy="30350"/>
-            </a:xfrm>
-            <a:custGeom>
-              <a:avLst/>
-              <a:gdLst/>
-              <a:ahLst/>
-              <a:cxnLst/>
-              <a:rect l="l" t="t" r="r" b="b"/>
-              <a:pathLst>
-                <a:path w="1293" h="1214" extrusionOk="0">
-                  <a:moveTo>
-                    <a:pt x="442" y="1"/>
-                  </a:moveTo>
-                  <a:cubicBezTo>
-                    <a:pt x="340" y="1"/>
-                    <a:pt x="237" y="40"/>
-                    <a:pt x="158" y="119"/>
-                  </a:cubicBezTo>
-                  <a:cubicBezTo>
-                    <a:pt x="1" y="276"/>
-                    <a:pt x="1" y="560"/>
-                    <a:pt x="158" y="686"/>
-                  </a:cubicBezTo>
-                  <a:lnTo>
-                    <a:pt x="536" y="1095"/>
-                  </a:lnTo>
-                  <a:cubicBezTo>
-                    <a:pt x="615" y="1174"/>
-                    <a:pt x="725" y="1213"/>
-                    <a:pt x="836" y="1213"/>
-                  </a:cubicBezTo>
-                  <a:cubicBezTo>
-                    <a:pt x="946" y="1213"/>
-                    <a:pt x="1056" y="1174"/>
-                    <a:pt x="1135" y="1095"/>
-                  </a:cubicBezTo>
-                  <a:cubicBezTo>
-                    <a:pt x="1293" y="938"/>
-                    <a:pt x="1293" y="654"/>
-                    <a:pt x="1135" y="497"/>
-                  </a:cubicBezTo>
-                  <a:lnTo>
-                    <a:pt x="725" y="119"/>
-                  </a:lnTo>
-                  <a:cubicBezTo>
-                    <a:pt x="647" y="40"/>
-                    <a:pt x="544" y="1"/>
-                    <a:pt x="442" y="1"/>
-                  </a:cubicBezTo>
-                  <a:close/>
-                </a:path>
-              </a:pathLst>
-            </a:custGeom>
-            <a:solidFill>
-              <a:schemeClr val="accent1"/>
-            </a:solidFill>
-            <a:ln>
-              <a:noFill/>
-            </a:ln>
-          </p:spPr>
-          <p:txBody>
-            <a:bodyPr spcFirstLastPara="1" wrap="square" lIns="91425" tIns="91425" rIns="91425" bIns="91425" anchor="ctr" anchorCtr="0">
-              <a:noAutofit/>
-            </a:bodyPr>
-            <a:lstStyle/>
-            <a:p>
-              <a:pPr marL="0" lvl="0" indent="0" algn="l" rtl="0">
-                <a:spcBef>
-                  <a:spcPts val="0"/>
-                </a:spcBef>
-                <a:spcAft>
-                  <a:spcPts val="0"/>
-                </a:spcAft>
-                <a:buNone/>
-              </a:pPr>
-              <a:endParaRPr/>
-            </a:p>
-          </p:txBody>
-        </p:sp>
-      </p:grpSp>
-    </p:spTree>
-    <p:extLst>
-      <p:ext uri="{BB962C8B-B14F-4D97-AF65-F5344CB8AC3E}">
-        <p14:creationId xmlns:p14="http://schemas.microsoft.com/office/powerpoint/2010/main" val="115591000"/>
-      </p:ext>
-    </p:extLst>
-  </p:cSld>
-  <p:clrMapOvr>
-    <a:masterClrMapping/>
-  </p:clrMapOvr>
-</p:sld>
-</file>
-
-<file path=ppt/slides/slide30.xml><?xml version="1.0" encoding="utf-8"?>
+<file path=ppt/slides/slide31.xml><?xml version="1.0" encoding="utf-8"?>
 <p:sld xmlns:a="http://schemas.openxmlformats.org/drawingml/2006/main" xmlns:r="http://schemas.openxmlformats.org/officeDocument/2006/relationships" xmlns:p="http://schemas.openxmlformats.org/presentationml/2006/main">
   <p:cSld>
     <p:spTree>
@@ -37981,7 +38464,7 @@
 </p:sld>
 </file>
 
-<file path=ppt/slides/slide31.xml><?xml version="1.0" encoding="utf-8"?>
+<file path=ppt/slides/slide32.xml><?xml version="1.0" encoding="utf-8"?>
 <p:sld xmlns:a="http://schemas.openxmlformats.org/drawingml/2006/main" xmlns:r="http://schemas.openxmlformats.org/officeDocument/2006/relationships" xmlns:p="http://schemas.openxmlformats.org/presentationml/2006/main">
   <p:cSld>
     <p:spTree>
@@ -39646,7 +40129,7 @@
 </p:sld>
 </file>
 
-<file path=ppt/slides/slide32.xml><?xml version="1.0" encoding="utf-8"?>
+<file path=ppt/slides/slide33.xml><?xml version="1.0" encoding="utf-8"?>
 <p:sld xmlns:a="http://schemas.openxmlformats.org/drawingml/2006/main" xmlns:r="http://schemas.openxmlformats.org/officeDocument/2006/relationships" xmlns:p="http://schemas.openxmlformats.org/presentationml/2006/main">
   <p:cSld>
     <p:spTree>
@@ -39909,7 +40392,7 @@
             </a:pPr>
             <a:r>
               <a:rPr lang="en" dirty="0"/>
-              <a:t>Incorporate multiple datasets </a:t>
+              <a:t>Incorporate multiple datasets</a:t>
             </a:r>
             <a:endParaRPr dirty="0"/>
           </a:p>
@@ -41267,7 +41750,7 @@
 </p:sld>
 </file>
 
-<file path=ppt/slides/slide33.xml><?xml version="1.0" encoding="utf-8"?>
+<file path=ppt/slides/slide34.xml><?xml version="1.0" encoding="utf-8"?>
 <p:sld xmlns:a="http://schemas.openxmlformats.org/drawingml/2006/main" xmlns:r="http://schemas.openxmlformats.org/officeDocument/2006/relationships" xmlns:p="http://schemas.openxmlformats.org/presentationml/2006/main">
   <p:cSld>
     <p:spTree>
@@ -43352,6 +43835,270 @@
         </p:txBody>
       </p:sp>
     </p:spTree>
+  </p:cSld>
+  <p:clrMapOvr>
+    <a:masterClrMapping/>
+  </p:clrMapOvr>
+</p:sld>
+</file>
+
+<file path=ppt/slides/slide35.xml><?xml version="1.0" encoding="utf-8"?>
+<p:sld xmlns:a="http://schemas.openxmlformats.org/drawingml/2006/main" xmlns:r="http://schemas.openxmlformats.org/officeDocument/2006/relationships" xmlns:p="http://schemas.openxmlformats.org/presentationml/2006/main">
+  <p:cSld>
+    <p:spTree>
+      <p:nvGrpSpPr>
+        <p:cNvPr id="1" name="Shape 922"/>
+        <p:cNvGrpSpPr/>
+        <p:nvPr/>
+      </p:nvGrpSpPr>
+      <p:grpSpPr>
+        <a:xfrm>
+          <a:off x="0" y="0"/>
+          <a:ext cx="0" cy="0"/>
+          <a:chOff x="0" y="0"/>
+          <a:chExt cx="0" cy="0"/>
+        </a:xfrm>
+      </p:grpSpPr>
+      <p:sp>
+        <p:nvSpPr>
+          <p:cNvPr id="931" name="Google Shape;931;p48"/>
+          <p:cNvSpPr txBox="1">
+            <a:spLocks noGrp="1"/>
+          </p:cNvSpPr>
+          <p:nvPr>
+            <p:ph type="title"/>
+          </p:nvPr>
+        </p:nvSpPr>
+        <p:spPr>
+          <a:xfrm>
+            <a:off x="713225" y="445025"/>
+            <a:ext cx="7717800" cy="572700"/>
+          </a:xfrm>
+          <a:prstGeom prst="rect">
+            <a:avLst/>
+          </a:prstGeom>
+        </p:spPr>
+        <p:txBody>
+          <a:bodyPr spcFirstLastPara="1" wrap="square" lIns="91425" tIns="91425" rIns="91425" bIns="91425" anchor="ctr" anchorCtr="0">
+            <a:noAutofit/>
+          </a:bodyPr>
+          <a:lstStyle/>
+          <a:p>
+            <a:pPr marL="0" lvl="0" indent="0" algn="ctr" rtl="0">
+              <a:spcBef>
+                <a:spcPts val="0"/>
+              </a:spcBef>
+              <a:spcAft>
+                <a:spcPts val="0"/>
+              </a:spcAft>
+              <a:buNone/>
+            </a:pPr>
+            <a:r>
+              <a:rPr lang="en" dirty="0"/>
+              <a:t>Appendix</a:t>
+            </a:r>
+            <a:endParaRPr dirty="0"/>
+          </a:p>
+        </p:txBody>
+      </p:sp>
+      <p:pic>
+        <p:nvPicPr>
+          <p:cNvPr id="15" name="Picture 14">
+            <a:extLst>
+              <a:ext uri="{FF2B5EF4-FFF2-40B4-BE49-F238E27FC236}">
+                <a16:creationId xmlns:a16="http://schemas.microsoft.com/office/drawing/2014/main" id="{E636C458-DC07-400E-914A-C6C4B3D901B6}"/>
+              </a:ext>
+            </a:extLst>
+          </p:cNvPr>
+          <p:cNvPicPr>
+            <a:picLocks noChangeAspect="1"/>
+          </p:cNvPicPr>
+          <p:nvPr/>
+        </p:nvPicPr>
+        <p:blipFill>
+          <a:blip r:embed="rId3"/>
+          <a:stretch>
+            <a:fillRect/>
+          </a:stretch>
+        </p:blipFill>
+        <p:spPr>
+          <a:xfrm>
+            <a:off x="598504" y="1149129"/>
+            <a:ext cx="3973496" cy="2952831"/>
+          </a:xfrm>
+          <a:prstGeom prst="rect">
+            <a:avLst/>
+          </a:prstGeom>
+        </p:spPr>
+      </p:pic>
+      <p:pic>
+        <p:nvPicPr>
+          <p:cNvPr id="17" name="Picture 16">
+            <a:extLst>
+              <a:ext uri="{FF2B5EF4-FFF2-40B4-BE49-F238E27FC236}">
+                <a16:creationId xmlns:a16="http://schemas.microsoft.com/office/drawing/2014/main" id="{87DE7E5A-E16A-4893-B974-516344B0224A}"/>
+              </a:ext>
+            </a:extLst>
+          </p:cNvPr>
+          <p:cNvPicPr>
+            <a:picLocks noChangeAspect="1"/>
+          </p:cNvPicPr>
+          <p:nvPr/>
+        </p:nvPicPr>
+        <p:blipFill>
+          <a:blip r:embed="rId4"/>
+          <a:stretch>
+            <a:fillRect/>
+          </a:stretch>
+        </p:blipFill>
+        <p:spPr>
+          <a:xfrm>
+            <a:off x="4572000" y="1210913"/>
+            <a:ext cx="3971640" cy="3268412"/>
+          </a:xfrm>
+          <a:prstGeom prst="rect">
+            <a:avLst/>
+          </a:prstGeom>
+        </p:spPr>
+      </p:pic>
+    </p:spTree>
+    <p:extLst>
+      <p:ext uri="{BB962C8B-B14F-4D97-AF65-F5344CB8AC3E}">
+        <p14:creationId xmlns:p14="http://schemas.microsoft.com/office/powerpoint/2010/main" val="2468405087"/>
+      </p:ext>
+    </p:extLst>
+  </p:cSld>
+  <p:clrMapOvr>
+    <a:masterClrMapping/>
+  </p:clrMapOvr>
+</p:sld>
+</file>
+
+<file path=ppt/slides/slide36.xml><?xml version="1.0" encoding="utf-8"?>
+<p:sld xmlns:a="http://schemas.openxmlformats.org/drawingml/2006/main" xmlns:r="http://schemas.openxmlformats.org/officeDocument/2006/relationships" xmlns:p="http://schemas.openxmlformats.org/presentationml/2006/main">
+  <p:cSld>
+    <p:spTree>
+      <p:nvGrpSpPr>
+        <p:cNvPr id="1" name="Shape 922"/>
+        <p:cNvGrpSpPr/>
+        <p:nvPr/>
+      </p:nvGrpSpPr>
+      <p:grpSpPr>
+        <a:xfrm>
+          <a:off x="0" y="0"/>
+          <a:ext cx="0" cy="0"/>
+          <a:chOff x="0" y="0"/>
+          <a:chExt cx="0" cy="0"/>
+        </a:xfrm>
+      </p:grpSpPr>
+      <p:sp>
+        <p:nvSpPr>
+          <p:cNvPr id="931" name="Google Shape;931;p48"/>
+          <p:cNvSpPr txBox="1">
+            <a:spLocks noGrp="1"/>
+          </p:cNvSpPr>
+          <p:nvPr>
+            <p:ph type="title"/>
+          </p:nvPr>
+        </p:nvSpPr>
+        <p:spPr>
+          <a:xfrm>
+            <a:off x="713225" y="445025"/>
+            <a:ext cx="7717800" cy="572700"/>
+          </a:xfrm>
+          <a:prstGeom prst="rect">
+            <a:avLst/>
+          </a:prstGeom>
+        </p:spPr>
+        <p:txBody>
+          <a:bodyPr spcFirstLastPara="1" wrap="square" lIns="91425" tIns="91425" rIns="91425" bIns="91425" anchor="ctr" anchorCtr="0">
+            <a:noAutofit/>
+          </a:bodyPr>
+          <a:lstStyle/>
+          <a:p>
+            <a:pPr marL="0" lvl="0" indent="0" algn="ctr" rtl="0">
+              <a:spcBef>
+                <a:spcPts val="0"/>
+              </a:spcBef>
+              <a:spcAft>
+                <a:spcPts val="0"/>
+              </a:spcAft>
+              <a:buNone/>
+            </a:pPr>
+            <a:r>
+              <a:rPr lang="en" dirty="0"/>
+              <a:t>Appendix</a:t>
+            </a:r>
+            <a:endParaRPr dirty="0"/>
+          </a:p>
+        </p:txBody>
+      </p:sp>
+      <p:pic>
+        <p:nvPicPr>
+          <p:cNvPr id="3" name="Picture 2">
+            <a:extLst>
+              <a:ext uri="{FF2B5EF4-FFF2-40B4-BE49-F238E27FC236}">
+                <a16:creationId xmlns:a16="http://schemas.microsoft.com/office/drawing/2014/main" id="{D9CD1052-7411-4068-82A2-148879B53607}"/>
+              </a:ext>
+            </a:extLst>
+          </p:cNvPr>
+          <p:cNvPicPr>
+            <a:picLocks noChangeAspect="1"/>
+          </p:cNvPicPr>
+          <p:nvPr/>
+        </p:nvPicPr>
+        <p:blipFill>
+          <a:blip r:embed="rId3"/>
+          <a:stretch>
+            <a:fillRect/>
+          </a:stretch>
+        </p:blipFill>
+        <p:spPr>
+          <a:xfrm>
+            <a:off x="935837" y="1349097"/>
+            <a:ext cx="3636163" cy="2992043"/>
+          </a:xfrm>
+          <a:prstGeom prst="rect">
+            <a:avLst/>
+          </a:prstGeom>
+        </p:spPr>
+      </p:pic>
+      <p:pic>
+        <p:nvPicPr>
+          <p:cNvPr id="5" name="Picture 4">
+            <a:extLst>
+              <a:ext uri="{FF2B5EF4-FFF2-40B4-BE49-F238E27FC236}">
+                <a16:creationId xmlns:a16="http://schemas.microsoft.com/office/drawing/2014/main" id="{81BE2C2E-D3B9-4A3E-A16A-D2533CCD5B59}"/>
+              </a:ext>
+            </a:extLst>
+          </p:cNvPr>
+          <p:cNvPicPr>
+            <a:picLocks noChangeAspect="1"/>
+          </p:cNvPicPr>
+          <p:nvPr/>
+        </p:nvPicPr>
+        <p:blipFill>
+          <a:blip r:embed="rId4"/>
+          <a:stretch>
+            <a:fillRect/>
+          </a:stretch>
+        </p:blipFill>
+        <p:spPr>
+          <a:xfrm>
+            <a:off x="4850768" y="1014083"/>
+            <a:ext cx="3357395" cy="3327057"/>
+          </a:xfrm>
+          <a:prstGeom prst="rect">
+            <a:avLst/>
+          </a:prstGeom>
+        </p:spPr>
+      </p:pic>
+    </p:spTree>
+    <p:extLst>
+      <p:ext uri="{BB962C8B-B14F-4D97-AF65-F5344CB8AC3E}">
+        <p14:creationId xmlns:p14="http://schemas.microsoft.com/office/powerpoint/2010/main" val="805927870"/>
+      </p:ext>
+    </p:extLst>
   </p:cSld>
   <p:clrMapOvr>
     <a:masterClrMapping/>
